--- a/latex/Figures/graphics.pptx
+++ b/latex/Figures/graphics.pptx
@@ -257,7 +257,7 @@
           <a:p>
             <a:fld id="{A5A5972C-82DA-4DF1-958E-FA9D5BA309D2}" type="datetimeFigureOut">
               <a:rPr lang="en-US" smtClean="0"/>
-              <a:t>11/16/2016</a:t>
+              <a:t>12/5/2016</a:t>
             </a:fld>
             <a:endParaRPr lang="en-US"/>
           </a:p>
@@ -427,7 +427,7 @@
           <a:p>
             <a:fld id="{A5A5972C-82DA-4DF1-958E-FA9D5BA309D2}" type="datetimeFigureOut">
               <a:rPr lang="en-US" smtClean="0"/>
-              <a:t>11/16/2016</a:t>
+              <a:t>12/5/2016</a:t>
             </a:fld>
             <a:endParaRPr lang="en-US"/>
           </a:p>
@@ -607,7 +607,7 @@
           <a:p>
             <a:fld id="{A5A5972C-82DA-4DF1-958E-FA9D5BA309D2}" type="datetimeFigureOut">
               <a:rPr lang="en-US" smtClean="0"/>
-              <a:t>11/16/2016</a:t>
+              <a:t>12/5/2016</a:t>
             </a:fld>
             <a:endParaRPr lang="en-US"/>
           </a:p>
@@ -777,7 +777,7 @@
           <a:p>
             <a:fld id="{A5A5972C-82DA-4DF1-958E-FA9D5BA309D2}" type="datetimeFigureOut">
               <a:rPr lang="en-US" smtClean="0"/>
-              <a:t>11/16/2016</a:t>
+              <a:t>12/5/2016</a:t>
             </a:fld>
             <a:endParaRPr lang="en-US"/>
           </a:p>
@@ -1021,7 +1021,7 @@
           <a:p>
             <a:fld id="{A5A5972C-82DA-4DF1-958E-FA9D5BA309D2}" type="datetimeFigureOut">
               <a:rPr lang="en-US" smtClean="0"/>
-              <a:t>11/16/2016</a:t>
+              <a:t>12/5/2016</a:t>
             </a:fld>
             <a:endParaRPr lang="en-US"/>
           </a:p>
@@ -1253,7 +1253,7 @@
           <a:p>
             <a:fld id="{A5A5972C-82DA-4DF1-958E-FA9D5BA309D2}" type="datetimeFigureOut">
               <a:rPr lang="en-US" smtClean="0"/>
-              <a:t>11/16/2016</a:t>
+              <a:t>12/5/2016</a:t>
             </a:fld>
             <a:endParaRPr lang="en-US"/>
           </a:p>
@@ -1620,7 +1620,7 @@
           <a:p>
             <a:fld id="{A5A5972C-82DA-4DF1-958E-FA9D5BA309D2}" type="datetimeFigureOut">
               <a:rPr lang="en-US" smtClean="0"/>
-              <a:t>11/16/2016</a:t>
+              <a:t>12/5/2016</a:t>
             </a:fld>
             <a:endParaRPr lang="en-US"/>
           </a:p>
@@ -1738,7 +1738,7 @@
           <a:p>
             <a:fld id="{A5A5972C-82DA-4DF1-958E-FA9D5BA309D2}" type="datetimeFigureOut">
               <a:rPr lang="en-US" smtClean="0"/>
-              <a:t>11/16/2016</a:t>
+              <a:t>12/5/2016</a:t>
             </a:fld>
             <a:endParaRPr lang="en-US"/>
           </a:p>
@@ -1833,7 +1833,7 @@
           <a:p>
             <a:fld id="{A5A5972C-82DA-4DF1-958E-FA9D5BA309D2}" type="datetimeFigureOut">
               <a:rPr lang="en-US" smtClean="0"/>
-              <a:t>11/16/2016</a:t>
+              <a:t>12/5/2016</a:t>
             </a:fld>
             <a:endParaRPr lang="en-US"/>
           </a:p>
@@ -2110,7 +2110,7 @@
           <a:p>
             <a:fld id="{A5A5972C-82DA-4DF1-958E-FA9D5BA309D2}" type="datetimeFigureOut">
               <a:rPr lang="en-US" smtClean="0"/>
-              <a:t>11/16/2016</a:t>
+              <a:t>12/5/2016</a:t>
             </a:fld>
             <a:endParaRPr lang="en-US"/>
           </a:p>
@@ -2367,7 +2367,7 @@
           <a:p>
             <a:fld id="{A5A5972C-82DA-4DF1-958E-FA9D5BA309D2}" type="datetimeFigureOut">
               <a:rPr lang="en-US" smtClean="0"/>
-              <a:t>11/16/2016</a:t>
+              <a:t>12/5/2016</a:t>
             </a:fld>
             <a:endParaRPr lang="en-US"/>
           </a:p>
@@ -2580,7 +2580,7 @@
           <a:p>
             <a:fld id="{A5A5972C-82DA-4DF1-958E-FA9D5BA309D2}" type="datetimeFigureOut">
               <a:rPr lang="en-US" smtClean="0"/>
-              <a:t>11/16/2016</a:t>
+              <a:t>12/5/2016</a:t>
             </a:fld>
             <a:endParaRPr lang="en-US"/>
           </a:p>
@@ -8842,7 +8842,7 @@
       </p:grpSpPr>
       <p:grpSp>
         <p:nvGrpSpPr>
-          <p:cNvPr id="39" name="Group 38"/>
+          <p:cNvPr id="2" name="Group 1"/>
           <p:cNvGrpSpPr/>
           <p:nvPr/>
         </p:nvGrpSpPr>
@@ -10769,8 +10769,8 @@
             </p:nvSpPr>
             <p:spPr>
               <a:xfrm>
-                <a:off x="2230722" y="3248764"/>
-                <a:ext cx="603087" cy="603087"/>
+                <a:off x="2230722" y="3204755"/>
+                <a:ext cx="647098" cy="647098"/>
               </a:xfrm>
               <a:prstGeom prst="ellipse">
                 <a:avLst/>
@@ -10814,7 +10814,7 @@
                       <a:schemeClr val="bg1"/>
                     </a:solidFill>
                   </a:rPr>
-                  <a:t>Constrain</a:t>
+                  <a:t>Constraint</a:t>
                 </a:r>
                 <a:endParaRPr lang="en-US" sz="1400" dirty="0">
                   <a:solidFill>
@@ -10835,8 +10835,8 @@
           </p:nvSpPr>
           <p:spPr>
             <a:xfrm>
-              <a:off x="5791687" y="2229448"/>
-              <a:ext cx="874575" cy="874575"/>
+              <a:off x="5791687" y="2153588"/>
+              <a:ext cx="950436" cy="950436"/>
             </a:xfrm>
             <a:prstGeom prst="ellipse">
               <a:avLst/>
@@ -10880,7 +10880,7 @@
                     <a:schemeClr val="bg1"/>
                   </a:solidFill>
                 </a:rPr>
-                <a:t>Constrain</a:t>
+                <a:t>Constraint</a:t>
               </a:r>
               <a:endParaRPr lang="en-US" sz="1400" dirty="0">
                 <a:solidFill>

--- a/latex/Figures/graphics.pptx
+++ b/latex/Figures/graphics.pptx
@@ -257,7 +257,7 @@
           <a:p>
             <a:fld id="{A5A5972C-82DA-4DF1-958E-FA9D5BA309D2}" type="datetimeFigureOut">
               <a:rPr lang="en-US" smtClean="0"/>
-              <a:t>12/5/2016</a:t>
+              <a:t>12/12/2016</a:t>
             </a:fld>
             <a:endParaRPr lang="en-US"/>
           </a:p>
@@ -427,7 +427,7 @@
           <a:p>
             <a:fld id="{A5A5972C-82DA-4DF1-958E-FA9D5BA309D2}" type="datetimeFigureOut">
               <a:rPr lang="en-US" smtClean="0"/>
-              <a:t>12/5/2016</a:t>
+              <a:t>12/12/2016</a:t>
             </a:fld>
             <a:endParaRPr lang="en-US"/>
           </a:p>
@@ -607,7 +607,7 @@
           <a:p>
             <a:fld id="{A5A5972C-82DA-4DF1-958E-FA9D5BA309D2}" type="datetimeFigureOut">
               <a:rPr lang="en-US" smtClean="0"/>
-              <a:t>12/5/2016</a:t>
+              <a:t>12/12/2016</a:t>
             </a:fld>
             <a:endParaRPr lang="en-US"/>
           </a:p>
@@ -777,7 +777,7 @@
           <a:p>
             <a:fld id="{A5A5972C-82DA-4DF1-958E-FA9D5BA309D2}" type="datetimeFigureOut">
               <a:rPr lang="en-US" smtClean="0"/>
-              <a:t>12/5/2016</a:t>
+              <a:t>12/12/2016</a:t>
             </a:fld>
             <a:endParaRPr lang="en-US"/>
           </a:p>
@@ -1021,7 +1021,7 @@
           <a:p>
             <a:fld id="{A5A5972C-82DA-4DF1-958E-FA9D5BA309D2}" type="datetimeFigureOut">
               <a:rPr lang="en-US" smtClean="0"/>
-              <a:t>12/5/2016</a:t>
+              <a:t>12/12/2016</a:t>
             </a:fld>
             <a:endParaRPr lang="en-US"/>
           </a:p>
@@ -1253,7 +1253,7 @@
           <a:p>
             <a:fld id="{A5A5972C-82DA-4DF1-958E-FA9D5BA309D2}" type="datetimeFigureOut">
               <a:rPr lang="en-US" smtClean="0"/>
-              <a:t>12/5/2016</a:t>
+              <a:t>12/12/2016</a:t>
             </a:fld>
             <a:endParaRPr lang="en-US"/>
           </a:p>
@@ -1620,7 +1620,7 @@
           <a:p>
             <a:fld id="{A5A5972C-82DA-4DF1-958E-FA9D5BA309D2}" type="datetimeFigureOut">
               <a:rPr lang="en-US" smtClean="0"/>
-              <a:t>12/5/2016</a:t>
+              <a:t>12/12/2016</a:t>
             </a:fld>
             <a:endParaRPr lang="en-US"/>
           </a:p>
@@ -1738,7 +1738,7 @@
           <a:p>
             <a:fld id="{A5A5972C-82DA-4DF1-958E-FA9D5BA309D2}" type="datetimeFigureOut">
               <a:rPr lang="en-US" smtClean="0"/>
-              <a:t>12/5/2016</a:t>
+              <a:t>12/12/2016</a:t>
             </a:fld>
             <a:endParaRPr lang="en-US"/>
           </a:p>
@@ -1833,7 +1833,7 @@
           <a:p>
             <a:fld id="{A5A5972C-82DA-4DF1-958E-FA9D5BA309D2}" type="datetimeFigureOut">
               <a:rPr lang="en-US" smtClean="0"/>
-              <a:t>12/5/2016</a:t>
+              <a:t>12/12/2016</a:t>
             </a:fld>
             <a:endParaRPr lang="en-US"/>
           </a:p>
@@ -2110,7 +2110,7 @@
           <a:p>
             <a:fld id="{A5A5972C-82DA-4DF1-958E-FA9D5BA309D2}" type="datetimeFigureOut">
               <a:rPr lang="en-US" smtClean="0"/>
-              <a:t>12/5/2016</a:t>
+              <a:t>12/12/2016</a:t>
             </a:fld>
             <a:endParaRPr lang="en-US"/>
           </a:p>
@@ -2367,7 +2367,7 @@
           <a:p>
             <a:fld id="{A5A5972C-82DA-4DF1-958E-FA9D5BA309D2}" type="datetimeFigureOut">
               <a:rPr lang="en-US" smtClean="0"/>
-              <a:t>12/5/2016</a:t>
+              <a:t>12/12/2016</a:t>
             </a:fld>
             <a:endParaRPr lang="en-US"/>
           </a:p>
@@ -2580,7 +2580,7 @@
           <a:p>
             <a:fld id="{A5A5972C-82DA-4DF1-958E-FA9D5BA309D2}" type="datetimeFigureOut">
               <a:rPr lang="en-US" smtClean="0"/>
-              <a:t>12/5/2016</a:t>
+              <a:t>12/12/2016</a:t>
             </a:fld>
             <a:endParaRPr lang="en-US"/>
           </a:p>
@@ -8840,1991 +8840,540 @@
           <a:chExt cx="0" cy="0"/>
         </a:xfrm>
       </p:grpSpPr>
+      <p:sp>
+        <p:nvSpPr>
+          <p:cNvPr id="4" name="Rectangle 3"/>
+          <p:cNvSpPr>
+            <a:spLocks noChangeAspect="1"/>
+          </p:cNvSpPr>
+          <p:nvPr/>
+        </p:nvSpPr>
+        <p:spPr>
+          <a:xfrm>
+            <a:off x="1061336" y="2610683"/>
+            <a:ext cx="1355270" cy="1355270"/>
+          </a:xfrm>
+          <a:prstGeom prst="rect">
+            <a:avLst/>
+          </a:prstGeom>
+          <a:solidFill>
+            <a:srgbClr val="177ABC">
+              <a:alpha val="50196"/>
+            </a:srgbClr>
+          </a:solidFill>
+          <a:ln>
+            <a:noFill/>
+          </a:ln>
+        </p:spPr>
+        <p:style>
+          <a:lnRef idx="2">
+            <a:schemeClr val="accent1">
+              <a:shade val="50000"/>
+            </a:schemeClr>
+          </a:lnRef>
+          <a:fillRef idx="1">
+            <a:schemeClr val="accent1"/>
+          </a:fillRef>
+          <a:effectRef idx="0">
+            <a:schemeClr val="accent1"/>
+          </a:effectRef>
+          <a:fontRef idx="minor">
+            <a:schemeClr val="lt1"/>
+          </a:fontRef>
+        </p:style>
+        <p:txBody>
+          <a:bodyPr rot="0" spcFirstLastPara="0" vertOverflow="overflow" horzOverflow="overflow" vert="horz" wrap="square" lIns="0" tIns="0" rIns="0" bIns="0" numCol="1" spcCol="0" rtlCol="0" fromWordArt="0" anchor="ctr" anchorCtr="0" forceAA="0" compatLnSpc="1">
+            <a:prstTxWarp prst="textNoShape">
+              <a:avLst/>
+            </a:prstTxWarp>
+            <a:noAutofit/>
+          </a:bodyPr>
+          <a:lstStyle/>
+          <a:p>
+            <a:pPr algn="ctr"/>
+            <a:r>
+              <a:rPr lang="en-US" sz="1400" dirty="0" smtClean="0">
+                <a:solidFill>
+                  <a:schemeClr val="tx1"/>
+                </a:solidFill>
+              </a:rPr>
+              <a:t>Convertible Bond PDE </a:t>
+            </a:r>
+            <a:r>
+              <a:rPr lang="en-US" sz="1400" dirty="0" err="1" smtClean="0">
+                <a:solidFill>
+                  <a:schemeClr val="tx1"/>
+                </a:solidFill>
+              </a:rPr>
+              <a:t>Pricer</a:t>
+            </a:r>
+            <a:endParaRPr lang="en-US" sz="1400" dirty="0">
+              <a:solidFill>
+                <a:schemeClr val="tx1"/>
+              </a:solidFill>
+            </a:endParaRPr>
+          </a:p>
+        </p:txBody>
+      </p:sp>
+      <p:sp>
+        <p:nvSpPr>
+          <p:cNvPr id="10" name="Rectangle 9"/>
+          <p:cNvSpPr>
+            <a:spLocks noChangeAspect="1"/>
+          </p:cNvSpPr>
+          <p:nvPr/>
+        </p:nvSpPr>
+        <p:spPr>
+          <a:xfrm>
+            <a:off x="6884693" y="1888385"/>
+            <a:ext cx="1408236" cy="1408236"/>
+          </a:xfrm>
+          <a:prstGeom prst="rect">
+            <a:avLst/>
+          </a:prstGeom>
+          <a:solidFill>
+            <a:srgbClr val="177ABC">
+              <a:alpha val="50196"/>
+            </a:srgbClr>
+          </a:solidFill>
+          <a:ln>
+            <a:noFill/>
+          </a:ln>
+        </p:spPr>
+        <p:style>
+          <a:lnRef idx="2">
+            <a:schemeClr val="accent1">
+              <a:shade val="50000"/>
+            </a:schemeClr>
+          </a:lnRef>
+          <a:fillRef idx="1">
+            <a:schemeClr val="accent1"/>
+          </a:fillRef>
+          <a:effectRef idx="0">
+            <a:schemeClr val="accent1"/>
+          </a:effectRef>
+          <a:fontRef idx="minor">
+            <a:schemeClr val="lt1"/>
+          </a:fontRef>
+        </p:style>
+        <p:txBody>
+          <a:bodyPr rot="0" spcFirstLastPara="0" vertOverflow="overflow" horzOverflow="overflow" vert="horz" wrap="square" lIns="0" tIns="0" rIns="0" bIns="0" numCol="1" spcCol="0" rtlCol="0" fromWordArt="0" anchor="ctr" anchorCtr="0" forceAA="0" compatLnSpc="1">
+            <a:prstTxWarp prst="textNoShape">
+              <a:avLst/>
+            </a:prstTxWarp>
+            <a:noAutofit/>
+          </a:bodyPr>
+          <a:lstStyle/>
+          <a:p>
+            <a:pPr algn="ctr"/>
+            <a:r>
+              <a:rPr lang="en-US" sz="1400" dirty="0" err="1" smtClean="0">
+                <a:solidFill>
+                  <a:schemeClr val="tx1"/>
+                </a:solidFill>
+              </a:rPr>
+              <a:t>Discretizer</a:t>
+            </a:r>
+            <a:endParaRPr lang="en-US" sz="1400" dirty="0">
+              <a:solidFill>
+                <a:schemeClr val="tx1"/>
+              </a:solidFill>
+            </a:endParaRPr>
+          </a:p>
+        </p:txBody>
+      </p:sp>
+      <p:sp>
+        <p:nvSpPr>
+          <p:cNvPr id="13" name="Rectangle 12"/>
+          <p:cNvSpPr>
+            <a:spLocks noChangeAspect="1"/>
+          </p:cNvSpPr>
+          <p:nvPr/>
+        </p:nvSpPr>
+        <p:spPr>
+          <a:xfrm>
+            <a:off x="2099604" y="4940537"/>
+            <a:ext cx="1391357" cy="1391357"/>
+          </a:xfrm>
+          <a:prstGeom prst="rect">
+            <a:avLst/>
+          </a:prstGeom>
+          <a:solidFill>
+            <a:srgbClr val="177ABC">
+              <a:alpha val="50196"/>
+            </a:srgbClr>
+          </a:solidFill>
+          <a:ln>
+            <a:noFill/>
+          </a:ln>
+        </p:spPr>
+        <p:style>
+          <a:lnRef idx="2">
+            <a:schemeClr val="accent1">
+              <a:shade val="50000"/>
+            </a:schemeClr>
+          </a:lnRef>
+          <a:fillRef idx="1">
+            <a:schemeClr val="accent1"/>
+          </a:fillRef>
+          <a:effectRef idx="0">
+            <a:schemeClr val="accent1"/>
+          </a:effectRef>
+          <a:fontRef idx="minor">
+            <a:schemeClr val="lt1"/>
+          </a:fontRef>
+        </p:style>
+        <p:txBody>
+          <a:bodyPr rot="0" spcFirstLastPara="0" vertOverflow="overflow" horzOverflow="overflow" vert="horz" wrap="square" lIns="0" tIns="0" rIns="0" bIns="0" numCol="1" spcCol="0" rtlCol="0" fromWordArt="0" anchor="ctr" anchorCtr="0" forceAA="0" compatLnSpc="1">
+            <a:prstTxWarp prst="textNoShape">
+              <a:avLst/>
+            </a:prstTxWarp>
+            <a:noAutofit/>
+          </a:bodyPr>
+          <a:lstStyle/>
+          <a:p>
+            <a:pPr algn="ctr"/>
+            <a:r>
+              <a:rPr lang="en-US" sz="1400" dirty="0" smtClean="0">
+                <a:solidFill>
+                  <a:schemeClr val="tx1"/>
+                </a:solidFill>
+              </a:rPr>
+              <a:t>Projected SOR</a:t>
+            </a:r>
+            <a:endParaRPr lang="en-US" sz="1400" dirty="0">
+              <a:solidFill>
+                <a:schemeClr val="tx1"/>
+              </a:solidFill>
+            </a:endParaRPr>
+          </a:p>
+        </p:txBody>
+      </p:sp>
       <p:grpSp>
         <p:nvGrpSpPr>
-          <p:cNvPr id="2" name="Group 1"/>
+          <p:cNvPr id="3" name="Group 2"/>
           <p:cNvGrpSpPr/>
           <p:nvPr/>
         </p:nvGrpSpPr>
         <p:grpSpPr>
           <a:xfrm>
-            <a:off x="1221426" y="231029"/>
-            <a:ext cx="7131741" cy="6384994"/>
-            <a:chOff x="1221426" y="231029"/>
-            <a:chExt cx="7131741" cy="6384994"/>
+            <a:off x="5411460" y="4274024"/>
+            <a:ext cx="2522221" cy="2326933"/>
+            <a:chOff x="5634956" y="3798840"/>
+            <a:chExt cx="2522221" cy="2326933"/>
           </a:xfrm>
         </p:grpSpPr>
-        <p:grpSp>
-          <p:nvGrpSpPr>
-            <p:cNvPr id="36" name="Group 35"/>
-            <p:cNvGrpSpPr/>
+        <p:sp>
+          <p:nvSpPr>
+            <p:cNvPr id="18" name="Oval 17"/>
+            <p:cNvSpPr>
+              <a:spLocks noChangeAspect="1"/>
+            </p:cNvSpPr>
             <p:nvPr/>
-          </p:nvGrpSpPr>
-          <p:grpSpPr>
+          </p:nvSpPr>
+          <p:spPr>
             <a:xfrm>
-              <a:off x="1221426" y="231029"/>
-              <a:ext cx="7131741" cy="6384994"/>
-              <a:chOff x="1064908" y="1827350"/>
-              <a:chExt cx="5109491" cy="4574489"/>
+              <a:off x="6198840" y="4170985"/>
+              <a:ext cx="1386250" cy="1386250"/>
             </a:xfrm>
-          </p:grpSpPr>
-          <p:sp>
-            <p:nvSpPr>
-              <p:cNvPr id="4" name="Rectangle 3"/>
-              <p:cNvSpPr>
-                <a:spLocks noChangeAspect="1"/>
-              </p:cNvSpPr>
-              <p:nvPr/>
-            </p:nvSpPr>
-            <p:spPr>
-              <a:xfrm>
-                <a:off x="1064908" y="3382169"/>
-                <a:ext cx="970975" cy="970975"/>
-              </a:xfrm>
-              <a:prstGeom prst="rect">
+            <a:prstGeom prst="ellipse">
+              <a:avLst/>
+            </a:prstGeom>
+            <a:solidFill>
+              <a:srgbClr val="177ABC"/>
+            </a:solidFill>
+            <a:ln>
+              <a:noFill/>
+            </a:ln>
+          </p:spPr>
+          <p:style>
+            <a:lnRef idx="2">
+              <a:schemeClr val="accent1">
+                <a:shade val="50000"/>
+              </a:schemeClr>
+            </a:lnRef>
+            <a:fillRef idx="1">
+              <a:schemeClr val="accent1"/>
+            </a:fillRef>
+            <a:effectRef idx="0">
+              <a:schemeClr val="accent1"/>
+            </a:effectRef>
+            <a:fontRef idx="minor">
+              <a:schemeClr val="lt1"/>
+            </a:fontRef>
+          </p:style>
+          <p:txBody>
+            <a:bodyPr rot="0" spcFirstLastPara="0" vertOverflow="overflow" horzOverflow="overflow" vert="horz" wrap="square" lIns="0" tIns="0" rIns="0" bIns="0" numCol="1" spcCol="0" rtlCol="0" fromWordArt="0" anchor="ctr" anchorCtr="0" forceAA="0" compatLnSpc="1">
+              <a:prstTxWarp prst="textNoShape">
                 <a:avLst/>
-              </a:prstGeom>
-              <a:solidFill>
-                <a:srgbClr val="177ABC">
-                  <a:alpha val="50196"/>
-                </a:srgbClr>
-              </a:solidFill>
-              <a:ln>
-                <a:noFill/>
-              </a:ln>
-            </p:spPr>
-            <p:style>
-              <a:lnRef idx="2">
-                <a:schemeClr val="accent1">
-                  <a:shade val="50000"/>
-                </a:schemeClr>
-              </a:lnRef>
-              <a:fillRef idx="1">
-                <a:schemeClr val="accent1"/>
-              </a:fillRef>
-              <a:effectRef idx="0">
-                <a:schemeClr val="accent1"/>
-              </a:effectRef>
-              <a:fontRef idx="minor">
-                <a:schemeClr val="lt1"/>
-              </a:fontRef>
-            </p:style>
-            <p:txBody>
-              <a:bodyPr rot="0" spcFirstLastPara="0" vertOverflow="overflow" horzOverflow="overflow" vert="horz" wrap="square" lIns="0" tIns="0" rIns="0" bIns="0" numCol="1" spcCol="0" rtlCol="0" fromWordArt="0" anchor="ctr" anchorCtr="0" forceAA="0" compatLnSpc="1">
-                <a:prstTxWarp prst="textNoShape">
-                  <a:avLst/>
-                </a:prstTxWarp>
-                <a:noAutofit/>
-              </a:bodyPr>
-              <a:lstStyle/>
-              <a:p>
-                <a:pPr algn="ctr"/>
-                <a:r>
-                  <a:rPr lang="en-US" sz="1400" dirty="0" smtClean="0">
-                    <a:solidFill>
-                      <a:schemeClr val="tx1"/>
-                    </a:solidFill>
-                  </a:rPr>
-                  <a:t>Convertible Bond PDE </a:t>
-                </a:r>
-                <a:r>
-                  <a:rPr lang="en-US" sz="1400" dirty="0" err="1" smtClean="0">
-                    <a:solidFill>
-                      <a:schemeClr val="tx1"/>
-                    </a:solidFill>
-                  </a:rPr>
-                  <a:t>Pricer</a:t>
-                </a:r>
-                <a:endParaRPr lang="en-US" sz="1400" dirty="0">
-                  <a:solidFill>
-                    <a:schemeClr val="tx1"/>
-                  </a:solidFill>
-                </a:endParaRPr>
-              </a:p>
-            </p:txBody>
-          </p:sp>
-          <p:sp>
-            <p:nvSpPr>
-              <p:cNvPr id="9" name="Freeform 8"/>
-              <p:cNvSpPr/>
-              <p:nvPr/>
-            </p:nvSpPr>
-            <p:spPr>
-              <a:xfrm rot="21167681" flipV="1">
-                <a:off x="2002598" y="3799945"/>
-                <a:ext cx="1089711" cy="131033"/>
-              </a:xfrm>
-              <a:custGeom>
-                <a:avLst/>
-                <a:gdLst>
-                  <a:gd name="connsiteX0" fmla="*/ 0 w 450056"/>
-                  <a:gd name="connsiteY0" fmla="*/ 900112 h 900112"/>
-                  <a:gd name="connsiteX1" fmla="*/ 23813 w 450056"/>
-                  <a:gd name="connsiteY1" fmla="*/ 821531 h 900112"/>
-                  <a:gd name="connsiteX2" fmla="*/ 61913 w 450056"/>
-                  <a:gd name="connsiteY2" fmla="*/ 716756 h 900112"/>
-                  <a:gd name="connsiteX3" fmla="*/ 95250 w 450056"/>
-                  <a:gd name="connsiteY3" fmla="*/ 626268 h 900112"/>
-                  <a:gd name="connsiteX4" fmla="*/ 147638 w 450056"/>
-                  <a:gd name="connsiteY4" fmla="*/ 504825 h 900112"/>
-                  <a:gd name="connsiteX5" fmla="*/ 202406 w 450056"/>
-                  <a:gd name="connsiteY5" fmla="*/ 390525 h 900112"/>
-                  <a:gd name="connsiteX6" fmla="*/ 252413 w 450056"/>
-                  <a:gd name="connsiteY6" fmla="*/ 297656 h 900112"/>
-                  <a:gd name="connsiteX7" fmla="*/ 314325 w 450056"/>
-                  <a:gd name="connsiteY7" fmla="*/ 197643 h 900112"/>
-                  <a:gd name="connsiteX8" fmla="*/ 392906 w 450056"/>
-                  <a:gd name="connsiteY8" fmla="*/ 76200 h 900112"/>
-                  <a:gd name="connsiteX9" fmla="*/ 450056 w 450056"/>
-                  <a:gd name="connsiteY9" fmla="*/ 0 h 900112"/>
-                </a:gdLst>
-                <a:ahLst/>
-                <a:cxnLst>
-                  <a:cxn ang="0">
-                    <a:pos x="connsiteX0" y="connsiteY0"/>
-                  </a:cxn>
-                  <a:cxn ang="0">
-                    <a:pos x="connsiteX1" y="connsiteY1"/>
-                  </a:cxn>
-                  <a:cxn ang="0">
-                    <a:pos x="connsiteX2" y="connsiteY2"/>
-                  </a:cxn>
-                  <a:cxn ang="0">
-                    <a:pos x="connsiteX3" y="connsiteY3"/>
-                  </a:cxn>
-                  <a:cxn ang="0">
-                    <a:pos x="connsiteX4" y="connsiteY4"/>
-                  </a:cxn>
-                  <a:cxn ang="0">
-                    <a:pos x="connsiteX5" y="connsiteY5"/>
-                  </a:cxn>
-                  <a:cxn ang="0">
-                    <a:pos x="connsiteX6" y="connsiteY6"/>
-                  </a:cxn>
-                  <a:cxn ang="0">
-                    <a:pos x="connsiteX7" y="connsiteY7"/>
-                  </a:cxn>
-                  <a:cxn ang="0">
-                    <a:pos x="connsiteX8" y="connsiteY8"/>
-                  </a:cxn>
-                  <a:cxn ang="0">
-                    <a:pos x="connsiteX9" y="connsiteY9"/>
-                  </a:cxn>
-                </a:cxnLst>
-                <a:rect l="l" t="t" r="r" b="b"/>
-                <a:pathLst>
-                  <a:path w="450056" h="900112">
-                    <a:moveTo>
-                      <a:pt x="0" y="900112"/>
-                    </a:moveTo>
-                    <a:cubicBezTo>
-                      <a:pt x="6747" y="876101"/>
-                      <a:pt x="13494" y="852090"/>
-                      <a:pt x="23813" y="821531"/>
-                    </a:cubicBezTo>
-                    <a:cubicBezTo>
-                      <a:pt x="34132" y="790972"/>
-                      <a:pt x="50007" y="749300"/>
-                      <a:pt x="61913" y="716756"/>
-                    </a:cubicBezTo>
-                    <a:cubicBezTo>
-                      <a:pt x="73819" y="684212"/>
-                      <a:pt x="80963" y="661590"/>
-                      <a:pt x="95250" y="626268"/>
-                    </a:cubicBezTo>
-                    <a:cubicBezTo>
-                      <a:pt x="109537" y="590946"/>
-                      <a:pt x="129779" y="544115"/>
-                      <a:pt x="147638" y="504825"/>
-                    </a:cubicBezTo>
-                    <a:cubicBezTo>
-                      <a:pt x="165497" y="465535"/>
-                      <a:pt x="184944" y="425053"/>
-                      <a:pt x="202406" y="390525"/>
-                    </a:cubicBezTo>
-                    <a:cubicBezTo>
-                      <a:pt x="219868" y="355997"/>
-                      <a:pt x="233760" y="329803"/>
-                      <a:pt x="252413" y="297656"/>
-                    </a:cubicBezTo>
-                    <a:cubicBezTo>
-                      <a:pt x="271066" y="265509"/>
-                      <a:pt x="290910" y="234552"/>
-                      <a:pt x="314325" y="197643"/>
-                    </a:cubicBezTo>
-                    <a:cubicBezTo>
-                      <a:pt x="337740" y="160734"/>
-                      <a:pt x="370284" y="109140"/>
-                      <a:pt x="392906" y="76200"/>
-                    </a:cubicBezTo>
-                    <a:cubicBezTo>
-                      <a:pt x="415528" y="43259"/>
-                      <a:pt x="432792" y="21629"/>
-                      <a:pt x="450056" y="0"/>
-                    </a:cubicBezTo>
-                  </a:path>
-                </a:pathLst>
-              </a:custGeom>
-              <a:noFill/>
-              <a:ln w="38100">
-                <a:solidFill>
-                  <a:srgbClr val="A4C7E2"/>
-                </a:solidFill>
-                <a:tailEnd type="arrow"/>
-              </a:ln>
-            </p:spPr>
-            <p:style>
-              <a:lnRef idx="2">
-                <a:schemeClr val="accent1">
-                  <a:shade val="50000"/>
-                </a:schemeClr>
-              </a:lnRef>
-              <a:fillRef idx="1">
-                <a:schemeClr val="accent1"/>
-              </a:fillRef>
-              <a:effectRef idx="0">
-                <a:schemeClr val="accent1"/>
-              </a:effectRef>
-              <a:fontRef idx="minor">
-                <a:schemeClr val="lt1"/>
-              </a:fontRef>
-            </p:style>
-            <p:txBody>
-              <a:bodyPr rtlCol="0" anchor="ctr"/>
-              <a:lstStyle/>
-              <a:p>
-                <a:pPr algn="ctr"/>
-                <a:endParaRPr lang="en-US"/>
-              </a:p>
-            </p:txBody>
-          </p:sp>
-          <p:sp>
-            <p:nvSpPr>
-              <p:cNvPr id="10" name="Rectangle 9"/>
-              <p:cNvSpPr>
-                <a:spLocks noChangeAspect="1"/>
-              </p:cNvSpPr>
-              <p:nvPr/>
-            </p:nvSpPr>
-            <p:spPr>
-              <a:xfrm>
-                <a:off x="3104070" y="3382169"/>
-                <a:ext cx="1008922" cy="1008922"/>
-              </a:xfrm>
-              <a:prstGeom prst="rect">
-                <a:avLst/>
-              </a:prstGeom>
-              <a:solidFill>
-                <a:srgbClr val="177ABC">
-                  <a:alpha val="50196"/>
-                </a:srgbClr>
-              </a:solidFill>
-              <a:ln>
-                <a:noFill/>
-              </a:ln>
-            </p:spPr>
-            <p:style>
-              <a:lnRef idx="2">
-                <a:schemeClr val="accent1">
-                  <a:shade val="50000"/>
-                </a:schemeClr>
-              </a:lnRef>
-              <a:fillRef idx="1">
-                <a:schemeClr val="accent1"/>
-              </a:fillRef>
-              <a:effectRef idx="0">
-                <a:schemeClr val="accent1"/>
-              </a:effectRef>
-              <a:fontRef idx="minor">
-                <a:schemeClr val="lt1"/>
-              </a:fontRef>
-            </p:style>
-            <p:txBody>
-              <a:bodyPr rot="0" spcFirstLastPara="0" vertOverflow="overflow" horzOverflow="overflow" vert="horz" wrap="square" lIns="0" tIns="0" rIns="0" bIns="0" numCol="1" spcCol="0" rtlCol="0" fromWordArt="0" anchor="ctr" anchorCtr="0" forceAA="0" compatLnSpc="1">
-                <a:prstTxWarp prst="textNoShape">
-                  <a:avLst/>
-                </a:prstTxWarp>
-                <a:noAutofit/>
-              </a:bodyPr>
-              <a:lstStyle/>
-              <a:p>
-                <a:pPr algn="ctr"/>
-                <a:r>
-                  <a:rPr lang="en-US" sz="1400" dirty="0" err="1" smtClean="0">
-                    <a:solidFill>
-                      <a:schemeClr val="tx1"/>
-                    </a:solidFill>
-                  </a:rPr>
-                  <a:t>Discretizer</a:t>
-                </a:r>
-                <a:endParaRPr lang="en-US" sz="1400" dirty="0">
-                  <a:solidFill>
-                    <a:schemeClr val="tx1"/>
-                  </a:solidFill>
-                </a:endParaRPr>
-              </a:p>
-            </p:txBody>
-          </p:sp>
-          <p:sp>
-            <p:nvSpPr>
-              <p:cNvPr id="11" name="Freeform 10"/>
-              <p:cNvSpPr/>
-              <p:nvPr/>
-            </p:nvSpPr>
-            <p:spPr>
-              <a:xfrm rot="21145723" flipV="1">
-                <a:off x="4094379" y="3834170"/>
-                <a:ext cx="1089711" cy="131033"/>
-              </a:xfrm>
-              <a:custGeom>
-                <a:avLst/>
-                <a:gdLst>
-                  <a:gd name="connsiteX0" fmla="*/ 0 w 450056"/>
-                  <a:gd name="connsiteY0" fmla="*/ 900112 h 900112"/>
-                  <a:gd name="connsiteX1" fmla="*/ 23813 w 450056"/>
-                  <a:gd name="connsiteY1" fmla="*/ 821531 h 900112"/>
-                  <a:gd name="connsiteX2" fmla="*/ 61913 w 450056"/>
-                  <a:gd name="connsiteY2" fmla="*/ 716756 h 900112"/>
-                  <a:gd name="connsiteX3" fmla="*/ 95250 w 450056"/>
-                  <a:gd name="connsiteY3" fmla="*/ 626268 h 900112"/>
-                  <a:gd name="connsiteX4" fmla="*/ 147638 w 450056"/>
-                  <a:gd name="connsiteY4" fmla="*/ 504825 h 900112"/>
-                  <a:gd name="connsiteX5" fmla="*/ 202406 w 450056"/>
-                  <a:gd name="connsiteY5" fmla="*/ 390525 h 900112"/>
-                  <a:gd name="connsiteX6" fmla="*/ 252413 w 450056"/>
-                  <a:gd name="connsiteY6" fmla="*/ 297656 h 900112"/>
-                  <a:gd name="connsiteX7" fmla="*/ 314325 w 450056"/>
-                  <a:gd name="connsiteY7" fmla="*/ 197643 h 900112"/>
-                  <a:gd name="connsiteX8" fmla="*/ 392906 w 450056"/>
-                  <a:gd name="connsiteY8" fmla="*/ 76200 h 900112"/>
-                  <a:gd name="connsiteX9" fmla="*/ 450056 w 450056"/>
-                  <a:gd name="connsiteY9" fmla="*/ 0 h 900112"/>
-                </a:gdLst>
-                <a:ahLst/>
-                <a:cxnLst>
-                  <a:cxn ang="0">
-                    <a:pos x="connsiteX0" y="connsiteY0"/>
-                  </a:cxn>
-                  <a:cxn ang="0">
-                    <a:pos x="connsiteX1" y="connsiteY1"/>
-                  </a:cxn>
-                  <a:cxn ang="0">
-                    <a:pos x="connsiteX2" y="connsiteY2"/>
-                  </a:cxn>
-                  <a:cxn ang="0">
-                    <a:pos x="connsiteX3" y="connsiteY3"/>
-                  </a:cxn>
-                  <a:cxn ang="0">
-                    <a:pos x="connsiteX4" y="connsiteY4"/>
-                  </a:cxn>
-                  <a:cxn ang="0">
-                    <a:pos x="connsiteX5" y="connsiteY5"/>
-                  </a:cxn>
-                  <a:cxn ang="0">
-                    <a:pos x="connsiteX6" y="connsiteY6"/>
-                  </a:cxn>
-                  <a:cxn ang="0">
-                    <a:pos x="connsiteX7" y="connsiteY7"/>
-                  </a:cxn>
-                  <a:cxn ang="0">
-                    <a:pos x="connsiteX8" y="connsiteY8"/>
-                  </a:cxn>
-                  <a:cxn ang="0">
-                    <a:pos x="connsiteX9" y="connsiteY9"/>
-                  </a:cxn>
-                </a:cxnLst>
-                <a:rect l="l" t="t" r="r" b="b"/>
-                <a:pathLst>
-                  <a:path w="450056" h="900112">
-                    <a:moveTo>
-                      <a:pt x="0" y="900112"/>
-                    </a:moveTo>
-                    <a:cubicBezTo>
-                      <a:pt x="6747" y="876101"/>
-                      <a:pt x="13494" y="852090"/>
-                      <a:pt x="23813" y="821531"/>
-                    </a:cubicBezTo>
-                    <a:cubicBezTo>
-                      <a:pt x="34132" y="790972"/>
-                      <a:pt x="50007" y="749300"/>
-                      <a:pt x="61913" y="716756"/>
-                    </a:cubicBezTo>
-                    <a:cubicBezTo>
-                      <a:pt x="73819" y="684212"/>
-                      <a:pt x="80963" y="661590"/>
-                      <a:pt x="95250" y="626268"/>
-                    </a:cubicBezTo>
-                    <a:cubicBezTo>
-                      <a:pt x="109537" y="590946"/>
-                      <a:pt x="129779" y="544115"/>
-                      <a:pt x="147638" y="504825"/>
-                    </a:cubicBezTo>
-                    <a:cubicBezTo>
-                      <a:pt x="165497" y="465535"/>
-                      <a:pt x="184944" y="425053"/>
-                      <a:pt x="202406" y="390525"/>
-                    </a:cubicBezTo>
-                    <a:cubicBezTo>
-                      <a:pt x="219868" y="355997"/>
-                      <a:pt x="233760" y="329803"/>
-                      <a:pt x="252413" y="297656"/>
-                    </a:cubicBezTo>
-                    <a:cubicBezTo>
-                      <a:pt x="271066" y="265509"/>
-                      <a:pt x="290910" y="234552"/>
-                      <a:pt x="314325" y="197643"/>
-                    </a:cubicBezTo>
-                    <a:cubicBezTo>
-                      <a:pt x="337740" y="160734"/>
-                      <a:pt x="370284" y="109140"/>
-                      <a:pt x="392906" y="76200"/>
-                    </a:cubicBezTo>
-                    <a:cubicBezTo>
-                      <a:pt x="415528" y="43259"/>
-                      <a:pt x="432792" y="21629"/>
-                      <a:pt x="450056" y="0"/>
-                    </a:cubicBezTo>
-                  </a:path>
-                </a:pathLst>
-              </a:custGeom>
-              <a:noFill/>
-              <a:ln w="38100">
-                <a:solidFill>
-                  <a:srgbClr val="A4C7E2"/>
-                </a:solidFill>
-                <a:tailEnd type="arrow"/>
-              </a:ln>
-            </p:spPr>
-            <p:style>
-              <a:lnRef idx="2">
-                <a:schemeClr val="accent1">
-                  <a:shade val="50000"/>
-                </a:schemeClr>
-              </a:lnRef>
-              <a:fillRef idx="1">
-                <a:schemeClr val="accent1"/>
-              </a:fillRef>
-              <a:effectRef idx="0">
-                <a:schemeClr val="accent1"/>
-              </a:effectRef>
-              <a:fontRef idx="minor">
-                <a:schemeClr val="lt1"/>
-              </a:fontRef>
-            </p:style>
-            <p:txBody>
-              <a:bodyPr rtlCol="0" anchor="ctr"/>
-              <a:lstStyle/>
-              <a:p>
-                <a:pPr algn="ctr"/>
-                <a:endParaRPr lang="en-US"/>
-              </a:p>
-            </p:txBody>
-          </p:sp>
-          <p:sp>
-            <p:nvSpPr>
-              <p:cNvPr id="13" name="Rectangle 12"/>
-              <p:cNvSpPr>
-                <a:spLocks noChangeAspect="1"/>
-              </p:cNvSpPr>
-              <p:nvPr/>
-            </p:nvSpPr>
-            <p:spPr>
-              <a:xfrm>
-                <a:off x="5177570" y="3367046"/>
-                <a:ext cx="996829" cy="996829"/>
-              </a:xfrm>
-              <a:prstGeom prst="rect">
-                <a:avLst/>
-              </a:prstGeom>
-              <a:solidFill>
-                <a:srgbClr val="177ABC">
-                  <a:alpha val="50196"/>
-                </a:srgbClr>
-              </a:solidFill>
-              <a:ln>
-                <a:noFill/>
-              </a:ln>
-            </p:spPr>
-            <p:style>
-              <a:lnRef idx="2">
-                <a:schemeClr val="accent1">
-                  <a:shade val="50000"/>
-                </a:schemeClr>
-              </a:lnRef>
-              <a:fillRef idx="1">
-                <a:schemeClr val="accent1"/>
-              </a:fillRef>
-              <a:effectRef idx="0">
-                <a:schemeClr val="accent1"/>
-              </a:effectRef>
-              <a:fontRef idx="minor">
-                <a:schemeClr val="lt1"/>
-              </a:fontRef>
-            </p:style>
-            <p:txBody>
-              <a:bodyPr rot="0" spcFirstLastPara="0" vertOverflow="overflow" horzOverflow="overflow" vert="horz" wrap="square" lIns="0" tIns="0" rIns="0" bIns="0" numCol="1" spcCol="0" rtlCol="0" fromWordArt="0" anchor="ctr" anchorCtr="0" forceAA="0" compatLnSpc="1">
-                <a:prstTxWarp prst="textNoShape">
-                  <a:avLst/>
-                </a:prstTxWarp>
-                <a:noAutofit/>
-              </a:bodyPr>
-              <a:lstStyle/>
-              <a:p>
-                <a:pPr algn="ctr"/>
-                <a:r>
-                  <a:rPr lang="en-US" sz="1400" dirty="0" smtClean="0">
-                    <a:solidFill>
-                      <a:schemeClr val="tx1"/>
-                    </a:solidFill>
-                  </a:rPr>
-                  <a:t>Projected SOR</a:t>
-                </a:r>
-                <a:endParaRPr lang="en-US" sz="1400" dirty="0">
-                  <a:solidFill>
-                    <a:schemeClr val="tx1"/>
-                  </a:solidFill>
-                </a:endParaRPr>
-              </a:p>
-            </p:txBody>
-          </p:sp>
-          <p:sp>
-            <p:nvSpPr>
-              <p:cNvPr id="14" name="Oval 13"/>
-              <p:cNvSpPr>
-                <a:spLocks noChangeAspect="1"/>
-              </p:cNvSpPr>
-              <p:nvPr/>
-            </p:nvSpPr>
-            <p:spPr>
-              <a:xfrm>
-                <a:off x="1681536" y="5003647"/>
-                <a:ext cx="993170" cy="993170"/>
-              </a:xfrm>
-              <a:prstGeom prst="ellipse">
-                <a:avLst/>
-              </a:prstGeom>
-              <a:solidFill>
-                <a:srgbClr val="177ABC"/>
-              </a:solidFill>
-              <a:ln>
-                <a:noFill/>
-              </a:ln>
-            </p:spPr>
-            <p:style>
-              <a:lnRef idx="2">
-                <a:schemeClr val="accent1">
-                  <a:shade val="50000"/>
-                </a:schemeClr>
-              </a:lnRef>
-              <a:fillRef idx="1">
-                <a:schemeClr val="accent1"/>
-              </a:fillRef>
-              <a:effectRef idx="0">
-                <a:schemeClr val="accent1"/>
-              </a:effectRef>
-              <a:fontRef idx="minor">
-                <a:schemeClr val="lt1"/>
-              </a:fontRef>
-            </p:style>
-            <p:txBody>
-              <a:bodyPr rot="0" spcFirstLastPara="0" vertOverflow="overflow" horzOverflow="overflow" vert="horz" wrap="square" lIns="0" tIns="0" rIns="0" bIns="0" numCol="1" spcCol="0" rtlCol="0" fromWordArt="0" anchor="ctr" anchorCtr="0" forceAA="0" compatLnSpc="1">
-                <a:prstTxWarp prst="textNoShape">
-                  <a:avLst/>
-                </a:prstTxWarp>
-                <a:noAutofit/>
-              </a:bodyPr>
-              <a:lstStyle/>
-              <a:p>
-                <a:pPr algn="ctr"/>
-                <a:r>
-                  <a:rPr lang="en-US" sz="1400" dirty="0" smtClean="0">
-                    <a:solidFill>
-                      <a:schemeClr val="bg1"/>
-                    </a:solidFill>
-                  </a:rPr>
-                  <a:t>Black Scholes Equation</a:t>
-                </a:r>
-                <a:endParaRPr lang="en-US" sz="1400" dirty="0">
+              </a:prstTxWarp>
+              <a:noAutofit/>
+            </a:bodyPr>
+            <a:lstStyle/>
+            <a:p>
+              <a:pPr algn="ctr"/>
+              <a:r>
+                <a:rPr lang="en-US" sz="1400" dirty="0" smtClean="0">
                   <a:solidFill>
                     <a:schemeClr val="bg1"/>
                   </a:solidFill>
-                </a:endParaRPr>
-              </a:p>
-            </p:txBody>
-          </p:sp>
-          <p:sp>
-            <p:nvSpPr>
-              <p:cNvPr id="17" name="Freeform 16"/>
-              <p:cNvSpPr/>
-              <p:nvPr/>
-            </p:nvSpPr>
-            <p:spPr>
-              <a:xfrm rot="7908026" flipH="1" flipV="1">
-                <a:off x="1800132" y="4187067"/>
-                <a:ext cx="1039017" cy="515201"/>
-              </a:xfrm>
-              <a:custGeom>
+                </a:rPr>
+                <a:t>Sparse Linear System</a:t>
+              </a:r>
+              <a:endParaRPr lang="en-US" sz="1400" dirty="0">
+                <a:solidFill>
+                  <a:schemeClr val="bg1"/>
+                </a:solidFill>
+              </a:endParaRPr>
+            </a:p>
+          </p:txBody>
+        </p:sp>
+        <p:sp>
+          <p:nvSpPr>
+            <p:cNvPr id="20" name="Oval 19"/>
+            <p:cNvSpPr>
+              <a:spLocks noChangeAspect="1"/>
+            </p:cNvSpPr>
+            <p:nvPr/>
+          </p:nvSpPr>
+          <p:spPr>
+            <a:xfrm>
+              <a:off x="5815737" y="3798840"/>
+              <a:ext cx="2152457" cy="2152456"/>
+            </a:xfrm>
+            <a:prstGeom prst="ellipse">
+              <a:avLst/>
+            </a:prstGeom>
+            <a:noFill/>
+            <a:ln w="19050">
+              <a:solidFill>
+                <a:schemeClr val="bg1">
+                  <a:lumMod val="85000"/>
+                </a:schemeClr>
+              </a:solidFill>
+              <a:prstDash val="lgDash"/>
+            </a:ln>
+          </p:spPr>
+          <p:style>
+            <a:lnRef idx="2">
+              <a:schemeClr val="accent1">
+                <a:shade val="50000"/>
+              </a:schemeClr>
+            </a:lnRef>
+            <a:fillRef idx="1">
+              <a:schemeClr val="accent1"/>
+            </a:fillRef>
+            <a:effectRef idx="0">
+              <a:schemeClr val="accent1"/>
+            </a:effectRef>
+            <a:fontRef idx="minor">
+              <a:schemeClr val="lt1"/>
+            </a:fontRef>
+          </p:style>
+          <p:txBody>
+            <a:bodyPr rtlCol="0" anchor="ctr"/>
+            <a:lstStyle/>
+            <a:p>
+              <a:pPr algn="ctr"/>
+              <a:endParaRPr lang="en-US"/>
+            </a:p>
+          </p:txBody>
+        </p:sp>
+        <p:sp>
+          <p:nvSpPr>
+            <p:cNvPr id="21" name="Oval 20"/>
+            <p:cNvSpPr>
+              <a:spLocks noChangeAspect="1"/>
+            </p:cNvSpPr>
+            <p:nvPr/>
+          </p:nvSpPr>
+          <p:spPr>
+            <a:xfrm>
+              <a:off x="7734595" y="4372979"/>
+              <a:ext cx="422582" cy="422582"/>
+            </a:xfrm>
+            <a:prstGeom prst="ellipse">
+              <a:avLst/>
+            </a:prstGeom>
+            <a:solidFill>
+              <a:srgbClr val="177ABC"/>
+            </a:solidFill>
+            <a:ln>
+              <a:noFill/>
+            </a:ln>
+          </p:spPr>
+          <p:style>
+            <a:lnRef idx="2">
+              <a:schemeClr val="accent1">
+                <a:shade val="50000"/>
+              </a:schemeClr>
+            </a:lnRef>
+            <a:fillRef idx="1">
+              <a:schemeClr val="accent1"/>
+            </a:fillRef>
+            <a:effectRef idx="0">
+              <a:schemeClr val="accent1"/>
+            </a:effectRef>
+            <a:fontRef idx="minor">
+              <a:schemeClr val="lt1"/>
+            </a:fontRef>
+          </p:style>
+          <p:txBody>
+            <a:bodyPr rot="0" spcFirstLastPara="0" vertOverflow="overflow" horzOverflow="overflow" vert="horz" wrap="square" lIns="0" tIns="0" rIns="0" bIns="0" numCol="1" spcCol="0" rtlCol="0" fromWordArt="0" anchor="ctr" anchorCtr="0" forceAA="0" compatLnSpc="1">
+              <a:prstTxWarp prst="textNoShape">
                 <a:avLst/>
-                <a:gdLst>
-                  <a:gd name="connsiteX0" fmla="*/ 0 w 450056"/>
-                  <a:gd name="connsiteY0" fmla="*/ 900112 h 900112"/>
-                  <a:gd name="connsiteX1" fmla="*/ 23813 w 450056"/>
-                  <a:gd name="connsiteY1" fmla="*/ 821531 h 900112"/>
-                  <a:gd name="connsiteX2" fmla="*/ 61913 w 450056"/>
-                  <a:gd name="connsiteY2" fmla="*/ 716756 h 900112"/>
-                  <a:gd name="connsiteX3" fmla="*/ 95250 w 450056"/>
-                  <a:gd name="connsiteY3" fmla="*/ 626268 h 900112"/>
-                  <a:gd name="connsiteX4" fmla="*/ 147638 w 450056"/>
-                  <a:gd name="connsiteY4" fmla="*/ 504825 h 900112"/>
-                  <a:gd name="connsiteX5" fmla="*/ 202406 w 450056"/>
-                  <a:gd name="connsiteY5" fmla="*/ 390525 h 900112"/>
-                  <a:gd name="connsiteX6" fmla="*/ 252413 w 450056"/>
-                  <a:gd name="connsiteY6" fmla="*/ 297656 h 900112"/>
-                  <a:gd name="connsiteX7" fmla="*/ 314325 w 450056"/>
-                  <a:gd name="connsiteY7" fmla="*/ 197643 h 900112"/>
-                  <a:gd name="connsiteX8" fmla="*/ 392906 w 450056"/>
-                  <a:gd name="connsiteY8" fmla="*/ 76200 h 900112"/>
-                  <a:gd name="connsiteX9" fmla="*/ 450056 w 450056"/>
-                  <a:gd name="connsiteY9" fmla="*/ 0 h 900112"/>
-                </a:gdLst>
-                <a:ahLst/>
-                <a:cxnLst>
-                  <a:cxn ang="0">
-                    <a:pos x="connsiteX0" y="connsiteY0"/>
-                  </a:cxn>
-                  <a:cxn ang="0">
-                    <a:pos x="connsiteX1" y="connsiteY1"/>
-                  </a:cxn>
-                  <a:cxn ang="0">
-                    <a:pos x="connsiteX2" y="connsiteY2"/>
-                  </a:cxn>
-                  <a:cxn ang="0">
-                    <a:pos x="connsiteX3" y="connsiteY3"/>
-                  </a:cxn>
-                  <a:cxn ang="0">
-                    <a:pos x="connsiteX4" y="connsiteY4"/>
-                  </a:cxn>
-                  <a:cxn ang="0">
-                    <a:pos x="connsiteX5" y="connsiteY5"/>
-                  </a:cxn>
-                  <a:cxn ang="0">
-                    <a:pos x="connsiteX6" y="connsiteY6"/>
-                  </a:cxn>
-                  <a:cxn ang="0">
-                    <a:pos x="connsiteX7" y="connsiteY7"/>
-                  </a:cxn>
-                  <a:cxn ang="0">
-                    <a:pos x="connsiteX8" y="connsiteY8"/>
-                  </a:cxn>
-                  <a:cxn ang="0">
-                    <a:pos x="connsiteX9" y="connsiteY9"/>
-                  </a:cxn>
-                </a:cxnLst>
-                <a:rect l="l" t="t" r="r" b="b"/>
-                <a:pathLst>
-                  <a:path w="450056" h="900112">
-                    <a:moveTo>
-                      <a:pt x="0" y="900112"/>
-                    </a:moveTo>
-                    <a:cubicBezTo>
-                      <a:pt x="6747" y="876101"/>
-                      <a:pt x="13494" y="852090"/>
-                      <a:pt x="23813" y="821531"/>
-                    </a:cubicBezTo>
-                    <a:cubicBezTo>
-                      <a:pt x="34132" y="790972"/>
-                      <a:pt x="50007" y="749300"/>
-                      <a:pt x="61913" y="716756"/>
-                    </a:cubicBezTo>
-                    <a:cubicBezTo>
-                      <a:pt x="73819" y="684212"/>
-                      <a:pt x="80963" y="661590"/>
-                      <a:pt x="95250" y="626268"/>
-                    </a:cubicBezTo>
-                    <a:cubicBezTo>
-                      <a:pt x="109537" y="590946"/>
-                      <a:pt x="129779" y="544115"/>
-                      <a:pt x="147638" y="504825"/>
-                    </a:cubicBezTo>
-                    <a:cubicBezTo>
-                      <a:pt x="165497" y="465535"/>
-                      <a:pt x="184944" y="425053"/>
-                      <a:pt x="202406" y="390525"/>
-                    </a:cubicBezTo>
-                    <a:cubicBezTo>
-                      <a:pt x="219868" y="355997"/>
-                      <a:pt x="233760" y="329803"/>
-                      <a:pt x="252413" y="297656"/>
-                    </a:cubicBezTo>
-                    <a:cubicBezTo>
-                      <a:pt x="271066" y="265509"/>
-                      <a:pt x="290910" y="234552"/>
-                      <a:pt x="314325" y="197643"/>
-                    </a:cubicBezTo>
-                    <a:cubicBezTo>
-                      <a:pt x="337740" y="160734"/>
-                      <a:pt x="370284" y="109140"/>
-                      <a:pt x="392906" y="76200"/>
-                    </a:cubicBezTo>
-                    <a:cubicBezTo>
-                      <a:pt x="415528" y="43259"/>
-                      <a:pt x="432792" y="21629"/>
-                      <a:pt x="450056" y="0"/>
-                    </a:cubicBezTo>
-                  </a:path>
-                </a:pathLst>
-              </a:custGeom>
-              <a:noFill/>
-              <a:ln w="38100">
-                <a:solidFill>
-                  <a:srgbClr val="A4C7E2"/>
-                </a:solidFill>
-                <a:tailEnd type="arrow"/>
-              </a:ln>
-            </p:spPr>
-            <p:style>
-              <a:lnRef idx="2">
-                <a:schemeClr val="accent1">
-                  <a:shade val="50000"/>
-                </a:schemeClr>
-              </a:lnRef>
-              <a:fillRef idx="1">
-                <a:schemeClr val="accent1"/>
-              </a:fillRef>
-              <a:effectRef idx="0">
-                <a:schemeClr val="accent1"/>
-              </a:effectRef>
-              <a:fontRef idx="minor">
-                <a:schemeClr val="lt1"/>
-              </a:fontRef>
-            </p:style>
-            <p:txBody>
-              <a:bodyPr rtlCol="0" anchor="ctr"/>
-              <a:lstStyle/>
-              <a:p>
-                <a:pPr algn="ctr"/>
-                <a:endParaRPr lang="en-US"/>
-              </a:p>
-            </p:txBody>
-          </p:sp>
-          <p:sp>
-            <p:nvSpPr>
-              <p:cNvPr id="18" name="Oval 17"/>
-              <p:cNvSpPr>
-                <a:spLocks noChangeAspect="1"/>
-              </p:cNvSpPr>
-              <p:nvPr/>
-            </p:nvSpPr>
-            <p:spPr>
-              <a:xfrm>
-                <a:off x="4513350" y="5059420"/>
-                <a:ext cx="993170" cy="993170"/>
-              </a:xfrm>
-              <a:prstGeom prst="ellipse">
-                <a:avLst/>
-              </a:prstGeom>
-              <a:solidFill>
-                <a:srgbClr val="177ABC"/>
-              </a:solidFill>
-              <a:ln>
-                <a:noFill/>
-              </a:ln>
-            </p:spPr>
-            <p:style>
-              <a:lnRef idx="2">
-                <a:schemeClr val="accent1">
-                  <a:shade val="50000"/>
-                </a:schemeClr>
-              </a:lnRef>
-              <a:fillRef idx="1">
-                <a:schemeClr val="accent1"/>
-              </a:fillRef>
-              <a:effectRef idx="0">
-                <a:schemeClr val="accent1"/>
-              </a:effectRef>
-              <a:fontRef idx="minor">
-                <a:schemeClr val="lt1"/>
-              </a:fontRef>
-            </p:style>
-            <p:txBody>
-              <a:bodyPr rot="0" spcFirstLastPara="0" vertOverflow="overflow" horzOverflow="overflow" vert="horz" wrap="square" lIns="0" tIns="0" rIns="0" bIns="0" numCol="1" spcCol="0" rtlCol="0" fromWordArt="0" anchor="ctr" anchorCtr="0" forceAA="0" compatLnSpc="1">
-                <a:prstTxWarp prst="textNoShape">
-                  <a:avLst/>
-                </a:prstTxWarp>
-                <a:noAutofit/>
-              </a:bodyPr>
-              <a:lstStyle/>
-              <a:p>
-                <a:pPr algn="ctr"/>
-                <a:r>
-                  <a:rPr lang="en-US" sz="1400" dirty="0" smtClean="0">
-                    <a:solidFill>
-                      <a:schemeClr val="bg1"/>
-                    </a:solidFill>
-                  </a:rPr>
-                  <a:t>Sparse Linear System</a:t>
-                </a:r>
-                <a:endParaRPr lang="en-US" sz="1400" dirty="0">
+              </a:prstTxWarp>
+              <a:noAutofit/>
+            </a:bodyPr>
+            <a:lstStyle/>
+            <a:p>
+              <a:pPr algn="ctr"/>
+              <a:r>
+                <a:rPr lang="en-US" sz="1200" dirty="0" smtClean="0">
                   <a:solidFill>
                     <a:schemeClr val="bg1"/>
                   </a:solidFill>
-                </a:endParaRPr>
-              </a:p>
-            </p:txBody>
-          </p:sp>
-          <p:sp>
-            <p:nvSpPr>
-              <p:cNvPr id="19" name="Freeform 18"/>
-              <p:cNvSpPr/>
-              <p:nvPr/>
-            </p:nvSpPr>
-            <p:spPr>
-              <a:xfrm rot="2618101" flipH="1">
-                <a:off x="4232656" y="4216666"/>
-                <a:ext cx="1086679" cy="540435"/>
-              </a:xfrm>
-              <a:custGeom>
+                </a:rPr>
+                <a:t>A</a:t>
+              </a:r>
+              <a:endParaRPr lang="en-US" sz="1200" dirty="0">
+                <a:solidFill>
+                  <a:schemeClr val="bg1"/>
+                </a:solidFill>
+              </a:endParaRPr>
+            </a:p>
+          </p:txBody>
+        </p:sp>
+        <p:sp>
+          <p:nvSpPr>
+            <p:cNvPr id="22" name="Oval 21"/>
+            <p:cNvSpPr>
+              <a:spLocks noChangeAspect="1"/>
+            </p:cNvSpPr>
+            <p:nvPr/>
+          </p:nvSpPr>
+          <p:spPr>
+            <a:xfrm>
+              <a:off x="7428812" y="5461846"/>
+              <a:ext cx="422582" cy="422582"/>
+            </a:xfrm>
+            <a:prstGeom prst="ellipse">
+              <a:avLst/>
+            </a:prstGeom>
+            <a:solidFill>
+              <a:srgbClr val="177ABC"/>
+            </a:solidFill>
+            <a:ln>
+              <a:noFill/>
+            </a:ln>
+          </p:spPr>
+          <p:style>
+            <a:lnRef idx="2">
+              <a:schemeClr val="accent1">
+                <a:shade val="50000"/>
+              </a:schemeClr>
+            </a:lnRef>
+            <a:fillRef idx="1">
+              <a:schemeClr val="accent1"/>
+            </a:fillRef>
+            <a:effectRef idx="0">
+              <a:schemeClr val="accent1"/>
+            </a:effectRef>
+            <a:fontRef idx="minor">
+              <a:schemeClr val="lt1"/>
+            </a:fontRef>
+          </p:style>
+          <p:txBody>
+            <a:bodyPr rot="0" spcFirstLastPara="0" vertOverflow="overflow" horzOverflow="overflow" vert="horz" wrap="square" lIns="0" tIns="0" rIns="0" bIns="0" numCol="1" spcCol="0" rtlCol="0" fromWordArt="0" anchor="ctr" anchorCtr="0" forceAA="0" compatLnSpc="1">
+              <a:prstTxWarp prst="textNoShape">
                 <a:avLst/>
-                <a:gdLst>
-                  <a:gd name="connsiteX0" fmla="*/ 0 w 450056"/>
-                  <a:gd name="connsiteY0" fmla="*/ 900112 h 900112"/>
-                  <a:gd name="connsiteX1" fmla="*/ 23813 w 450056"/>
-                  <a:gd name="connsiteY1" fmla="*/ 821531 h 900112"/>
-                  <a:gd name="connsiteX2" fmla="*/ 61913 w 450056"/>
-                  <a:gd name="connsiteY2" fmla="*/ 716756 h 900112"/>
-                  <a:gd name="connsiteX3" fmla="*/ 95250 w 450056"/>
-                  <a:gd name="connsiteY3" fmla="*/ 626268 h 900112"/>
-                  <a:gd name="connsiteX4" fmla="*/ 147638 w 450056"/>
-                  <a:gd name="connsiteY4" fmla="*/ 504825 h 900112"/>
-                  <a:gd name="connsiteX5" fmla="*/ 202406 w 450056"/>
-                  <a:gd name="connsiteY5" fmla="*/ 390525 h 900112"/>
-                  <a:gd name="connsiteX6" fmla="*/ 252413 w 450056"/>
-                  <a:gd name="connsiteY6" fmla="*/ 297656 h 900112"/>
-                  <a:gd name="connsiteX7" fmla="*/ 314325 w 450056"/>
-                  <a:gd name="connsiteY7" fmla="*/ 197643 h 900112"/>
-                  <a:gd name="connsiteX8" fmla="*/ 392906 w 450056"/>
-                  <a:gd name="connsiteY8" fmla="*/ 76200 h 900112"/>
-                  <a:gd name="connsiteX9" fmla="*/ 450056 w 450056"/>
-                  <a:gd name="connsiteY9" fmla="*/ 0 h 900112"/>
-                </a:gdLst>
-                <a:ahLst/>
-                <a:cxnLst>
-                  <a:cxn ang="0">
-                    <a:pos x="connsiteX0" y="connsiteY0"/>
-                  </a:cxn>
-                  <a:cxn ang="0">
-                    <a:pos x="connsiteX1" y="connsiteY1"/>
-                  </a:cxn>
-                  <a:cxn ang="0">
-                    <a:pos x="connsiteX2" y="connsiteY2"/>
-                  </a:cxn>
-                  <a:cxn ang="0">
-                    <a:pos x="connsiteX3" y="connsiteY3"/>
-                  </a:cxn>
-                  <a:cxn ang="0">
-                    <a:pos x="connsiteX4" y="connsiteY4"/>
-                  </a:cxn>
-                  <a:cxn ang="0">
-                    <a:pos x="connsiteX5" y="connsiteY5"/>
-                  </a:cxn>
-                  <a:cxn ang="0">
-                    <a:pos x="connsiteX6" y="connsiteY6"/>
-                  </a:cxn>
-                  <a:cxn ang="0">
-                    <a:pos x="connsiteX7" y="connsiteY7"/>
-                  </a:cxn>
-                  <a:cxn ang="0">
-                    <a:pos x="connsiteX8" y="connsiteY8"/>
-                  </a:cxn>
-                  <a:cxn ang="0">
-                    <a:pos x="connsiteX9" y="connsiteY9"/>
-                  </a:cxn>
-                </a:cxnLst>
-                <a:rect l="l" t="t" r="r" b="b"/>
-                <a:pathLst>
-                  <a:path w="450056" h="900112">
-                    <a:moveTo>
-                      <a:pt x="0" y="900112"/>
-                    </a:moveTo>
-                    <a:cubicBezTo>
-                      <a:pt x="6747" y="876101"/>
-                      <a:pt x="13494" y="852090"/>
-                      <a:pt x="23813" y="821531"/>
-                    </a:cubicBezTo>
-                    <a:cubicBezTo>
-                      <a:pt x="34132" y="790972"/>
-                      <a:pt x="50007" y="749300"/>
-                      <a:pt x="61913" y="716756"/>
-                    </a:cubicBezTo>
-                    <a:cubicBezTo>
-                      <a:pt x="73819" y="684212"/>
-                      <a:pt x="80963" y="661590"/>
-                      <a:pt x="95250" y="626268"/>
-                    </a:cubicBezTo>
-                    <a:cubicBezTo>
-                      <a:pt x="109537" y="590946"/>
-                      <a:pt x="129779" y="544115"/>
-                      <a:pt x="147638" y="504825"/>
-                    </a:cubicBezTo>
-                    <a:cubicBezTo>
-                      <a:pt x="165497" y="465535"/>
-                      <a:pt x="184944" y="425053"/>
-                      <a:pt x="202406" y="390525"/>
-                    </a:cubicBezTo>
-                    <a:cubicBezTo>
-                      <a:pt x="219868" y="355997"/>
-                      <a:pt x="233760" y="329803"/>
-                      <a:pt x="252413" y="297656"/>
-                    </a:cubicBezTo>
-                    <a:cubicBezTo>
-                      <a:pt x="271066" y="265509"/>
-                      <a:pt x="290910" y="234552"/>
-                      <a:pt x="314325" y="197643"/>
-                    </a:cubicBezTo>
-                    <a:cubicBezTo>
-                      <a:pt x="337740" y="160734"/>
-                      <a:pt x="370284" y="109140"/>
-                      <a:pt x="392906" y="76200"/>
-                    </a:cubicBezTo>
-                    <a:cubicBezTo>
-                      <a:pt x="415528" y="43259"/>
-                      <a:pt x="432792" y="21629"/>
-                      <a:pt x="450056" y="0"/>
-                    </a:cubicBezTo>
-                  </a:path>
-                </a:pathLst>
-              </a:custGeom>
-              <a:noFill/>
-              <a:ln w="38100">
-                <a:solidFill>
-                  <a:srgbClr val="A4C7E2"/>
-                </a:solidFill>
-                <a:tailEnd type="arrow"/>
-              </a:ln>
-            </p:spPr>
-            <p:style>
-              <a:lnRef idx="2">
-                <a:schemeClr val="accent1">
-                  <a:shade val="50000"/>
-                </a:schemeClr>
-              </a:lnRef>
-              <a:fillRef idx="1">
-                <a:schemeClr val="accent1"/>
-              </a:fillRef>
-              <a:effectRef idx="0">
-                <a:schemeClr val="accent1"/>
-              </a:effectRef>
-              <a:fontRef idx="minor">
-                <a:schemeClr val="lt1"/>
-              </a:fontRef>
-            </p:style>
-            <p:txBody>
-              <a:bodyPr rtlCol="0" anchor="ctr"/>
-              <a:lstStyle/>
-              <a:p>
-                <a:pPr algn="ctr"/>
-                <a:endParaRPr lang="en-US"/>
-              </a:p>
-            </p:txBody>
-          </p:sp>
-          <p:sp>
-            <p:nvSpPr>
-              <p:cNvPr id="20" name="Oval 19"/>
-              <p:cNvSpPr>
-                <a:spLocks noChangeAspect="1"/>
-              </p:cNvSpPr>
-              <p:nvPr/>
-            </p:nvSpPr>
-            <p:spPr>
-              <a:xfrm>
-                <a:off x="4238878" y="4792799"/>
-                <a:ext cx="1542114" cy="1542114"/>
-              </a:xfrm>
-              <a:prstGeom prst="ellipse">
-                <a:avLst/>
-              </a:prstGeom>
-              <a:noFill/>
-              <a:ln w="19050">
-                <a:solidFill>
-                  <a:schemeClr val="bg1">
-                    <a:lumMod val="85000"/>
-                  </a:schemeClr>
-                </a:solidFill>
-                <a:prstDash val="lgDash"/>
-              </a:ln>
-            </p:spPr>
-            <p:style>
-              <a:lnRef idx="2">
-                <a:schemeClr val="accent1">
-                  <a:shade val="50000"/>
-                </a:schemeClr>
-              </a:lnRef>
-              <a:fillRef idx="1">
-                <a:schemeClr val="accent1"/>
-              </a:fillRef>
-              <a:effectRef idx="0">
-                <a:schemeClr val="accent1"/>
-              </a:effectRef>
-              <a:fontRef idx="minor">
-                <a:schemeClr val="lt1"/>
-              </a:fontRef>
-            </p:style>
-            <p:txBody>
-              <a:bodyPr rtlCol="0" anchor="ctr"/>
-              <a:lstStyle/>
-              <a:p>
-                <a:pPr algn="ctr"/>
-                <a:endParaRPr lang="en-US"/>
-              </a:p>
-            </p:txBody>
-          </p:sp>
-          <p:sp>
-            <p:nvSpPr>
-              <p:cNvPr id="21" name="Oval 20"/>
-              <p:cNvSpPr>
-                <a:spLocks noChangeAspect="1"/>
-              </p:cNvSpPr>
-              <p:nvPr/>
-            </p:nvSpPr>
-            <p:spPr>
-              <a:xfrm>
-                <a:off x="5613632" y="5204137"/>
-                <a:ext cx="302756" cy="302756"/>
-              </a:xfrm>
-              <a:prstGeom prst="ellipse">
-                <a:avLst/>
-              </a:prstGeom>
-              <a:solidFill>
-                <a:srgbClr val="177ABC"/>
-              </a:solidFill>
-              <a:ln>
-                <a:noFill/>
-              </a:ln>
-            </p:spPr>
-            <p:style>
-              <a:lnRef idx="2">
-                <a:schemeClr val="accent1">
-                  <a:shade val="50000"/>
-                </a:schemeClr>
-              </a:lnRef>
-              <a:fillRef idx="1">
-                <a:schemeClr val="accent1"/>
-              </a:fillRef>
-              <a:effectRef idx="0">
-                <a:schemeClr val="accent1"/>
-              </a:effectRef>
-              <a:fontRef idx="minor">
-                <a:schemeClr val="lt1"/>
-              </a:fontRef>
-            </p:style>
-            <p:txBody>
-              <a:bodyPr rot="0" spcFirstLastPara="0" vertOverflow="overflow" horzOverflow="overflow" vert="horz" wrap="square" lIns="0" tIns="0" rIns="0" bIns="0" numCol="1" spcCol="0" rtlCol="0" fromWordArt="0" anchor="ctr" anchorCtr="0" forceAA="0" compatLnSpc="1">
-                <a:prstTxWarp prst="textNoShape">
-                  <a:avLst/>
-                </a:prstTxWarp>
-                <a:noAutofit/>
-              </a:bodyPr>
-              <a:lstStyle/>
-              <a:p>
-                <a:pPr algn="ctr"/>
-                <a:r>
-                  <a:rPr lang="en-US" sz="1200" dirty="0" smtClean="0">
-                    <a:solidFill>
-                      <a:schemeClr val="bg1"/>
-                    </a:solidFill>
-                  </a:rPr>
-                  <a:t>A</a:t>
-                </a:r>
-                <a:endParaRPr lang="en-US" sz="1200" dirty="0">
+              </a:prstTxWarp>
+              <a:noAutofit/>
+            </a:bodyPr>
+            <a:lstStyle/>
+            <a:p>
+              <a:pPr algn="ctr"/>
+              <a:r>
+                <a:rPr lang="en-US" sz="1200" dirty="0" smtClean="0">
                   <a:solidFill>
                     <a:schemeClr val="bg1"/>
                   </a:solidFill>
-                </a:endParaRPr>
-              </a:p>
-            </p:txBody>
-          </p:sp>
-          <p:sp>
-            <p:nvSpPr>
-              <p:cNvPr id="22" name="Oval 21"/>
-              <p:cNvSpPr>
-                <a:spLocks noChangeAspect="1"/>
-              </p:cNvSpPr>
-              <p:nvPr/>
-            </p:nvSpPr>
-            <p:spPr>
-              <a:xfrm>
-                <a:off x="5394556" y="5984249"/>
-                <a:ext cx="302756" cy="302756"/>
-              </a:xfrm>
-              <a:prstGeom prst="ellipse">
+                </a:rPr>
+                <a:t>x</a:t>
+              </a:r>
+              <a:endParaRPr lang="en-US" sz="1200" dirty="0">
+                <a:solidFill>
+                  <a:schemeClr val="bg1"/>
+                </a:solidFill>
+              </a:endParaRPr>
+            </a:p>
+          </p:txBody>
+        </p:sp>
+        <p:sp>
+          <p:nvSpPr>
+            <p:cNvPr id="23" name="Oval 22"/>
+            <p:cNvSpPr>
+              <a:spLocks noChangeAspect="1"/>
+            </p:cNvSpPr>
+            <p:nvPr/>
+          </p:nvSpPr>
+          <p:spPr>
+            <a:xfrm>
+              <a:off x="5634956" y="4848434"/>
+              <a:ext cx="422582" cy="422582"/>
+            </a:xfrm>
+            <a:prstGeom prst="ellipse">
+              <a:avLst/>
+            </a:prstGeom>
+            <a:solidFill>
+              <a:srgbClr val="177ABC"/>
+            </a:solidFill>
+            <a:ln>
+              <a:noFill/>
+            </a:ln>
+          </p:spPr>
+          <p:style>
+            <a:lnRef idx="2">
+              <a:schemeClr val="accent1">
+                <a:shade val="50000"/>
+              </a:schemeClr>
+            </a:lnRef>
+            <a:fillRef idx="1">
+              <a:schemeClr val="accent1"/>
+            </a:fillRef>
+            <a:effectRef idx="0">
+              <a:schemeClr val="accent1"/>
+            </a:effectRef>
+            <a:fontRef idx="minor">
+              <a:schemeClr val="lt1"/>
+            </a:fontRef>
+          </p:style>
+          <p:txBody>
+            <a:bodyPr rot="0" spcFirstLastPara="0" vertOverflow="overflow" horzOverflow="overflow" vert="horz" wrap="square" lIns="0" tIns="0" rIns="0" bIns="0" numCol="1" spcCol="0" rtlCol="0" fromWordArt="0" anchor="ctr" anchorCtr="0" forceAA="0" compatLnSpc="1">
+              <a:prstTxWarp prst="textNoShape">
                 <a:avLst/>
-              </a:prstGeom>
-              <a:solidFill>
-                <a:srgbClr val="177ABC"/>
-              </a:solidFill>
-              <a:ln>
-                <a:noFill/>
-              </a:ln>
-            </p:spPr>
-            <p:style>
-              <a:lnRef idx="2">
-                <a:schemeClr val="accent1">
-                  <a:shade val="50000"/>
-                </a:schemeClr>
-              </a:lnRef>
-              <a:fillRef idx="1">
-                <a:schemeClr val="accent1"/>
-              </a:fillRef>
-              <a:effectRef idx="0">
-                <a:schemeClr val="accent1"/>
-              </a:effectRef>
-              <a:fontRef idx="minor">
-                <a:schemeClr val="lt1"/>
-              </a:fontRef>
-            </p:style>
-            <p:txBody>
-              <a:bodyPr rot="0" spcFirstLastPara="0" vertOverflow="overflow" horzOverflow="overflow" vert="horz" wrap="square" lIns="0" tIns="0" rIns="0" bIns="0" numCol="1" spcCol="0" rtlCol="0" fromWordArt="0" anchor="ctr" anchorCtr="0" forceAA="0" compatLnSpc="1">
-                <a:prstTxWarp prst="textNoShape">
-                  <a:avLst/>
-                </a:prstTxWarp>
-                <a:noAutofit/>
-              </a:bodyPr>
-              <a:lstStyle/>
-              <a:p>
-                <a:pPr algn="ctr"/>
-                <a:r>
-                  <a:rPr lang="en-US" sz="1200" dirty="0" smtClean="0">
-                    <a:solidFill>
-                      <a:schemeClr val="bg1"/>
-                    </a:solidFill>
-                  </a:rPr>
-                  <a:t>x</a:t>
-                </a:r>
-                <a:endParaRPr lang="en-US" sz="1200" dirty="0">
+              </a:prstTxWarp>
+              <a:noAutofit/>
+            </a:bodyPr>
+            <a:lstStyle/>
+            <a:p>
+              <a:pPr algn="ctr"/>
+              <a:r>
+                <a:rPr lang="en-US" sz="1200" dirty="0" smtClean="0">
                   <a:solidFill>
                     <a:schemeClr val="bg1"/>
                   </a:solidFill>
-                </a:endParaRPr>
-              </a:p>
-            </p:txBody>
-          </p:sp>
-          <p:sp>
-            <p:nvSpPr>
-              <p:cNvPr id="23" name="Oval 22"/>
-              <p:cNvSpPr>
-                <a:spLocks noChangeAspect="1"/>
-              </p:cNvSpPr>
-              <p:nvPr/>
-            </p:nvSpPr>
-            <p:spPr>
-              <a:xfrm>
-                <a:off x="4109359" y="5544774"/>
-                <a:ext cx="302756" cy="302756"/>
-              </a:xfrm>
-              <a:prstGeom prst="ellipse">
-                <a:avLst/>
-              </a:prstGeom>
-              <a:solidFill>
-                <a:srgbClr val="177ABC"/>
-              </a:solidFill>
-              <a:ln>
-                <a:noFill/>
-              </a:ln>
-            </p:spPr>
-            <p:style>
-              <a:lnRef idx="2">
-                <a:schemeClr val="accent1">
-                  <a:shade val="50000"/>
-                </a:schemeClr>
-              </a:lnRef>
-              <a:fillRef idx="1">
-                <a:schemeClr val="accent1"/>
-              </a:fillRef>
-              <a:effectRef idx="0">
-                <a:schemeClr val="accent1"/>
-              </a:effectRef>
-              <a:fontRef idx="minor">
-                <a:schemeClr val="lt1"/>
-              </a:fontRef>
-            </p:style>
-            <p:txBody>
-              <a:bodyPr rot="0" spcFirstLastPara="0" vertOverflow="overflow" horzOverflow="overflow" vert="horz" wrap="square" lIns="0" tIns="0" rIns="0" bIns="0" numCol="1" spcCol="0" rtlCol="0" fromWordArt="0" anchor="ctr" anchorCtr="0" forceAA="0" compatLnSpc="1">
-                <a:prstTxWarp prst="textNoShape">
-                  <a:avLst/>
-                </a:prstTxWarp>
-                <a:noAutofit/>
-              </a:bodyPr>
-              <a:lstStyle/>
-              <a:p>
-                <a:pPr algn="ctr"/>
-                <a:r>
-                  <a:rPr lang="en-US" sz="1200" dirty="0" smtClean="0">
-                    <a:solidFill>
-                      <a:schemeClr val="bg1"/>
-                    </a:solidFill>
-                  </a:rPr>
-                  <a:t>b</a:t>
-                </a:r>
-                <a:endParaRPr lang="en-US" sz="1200" dirty="0">
-                  <a:solidFill>
-                    <a:schemeClr val="bg1"/>
-                  </a:solidFill>
-                </a:endParaRPr>
-              </a:p>
-            </p:txBody>
-          </p:sp>
-          <p:sp>
-            <p:nvSpPr>
-              <p:cNvPr id="24" name="Oval 23"/>
-              <p:cNvSpPr>
-                <a:spLocks noChangeAspect="1"/>
-              </p:cNvSpPr>
-              <p:nvPr/>
-            </p:nvSpPr>
-            <p:spPr>
-              <a:xfrm>
-                <a:off x="1409381" y="4746793"/>
-                <a:ext cx="1542114" cy="1542114"/>
-              </a:xfrm>
-              <a:prstGeom prst="ellipse">
-                <a:avLst/>
-              </a:prstGeom>
-              <a:noFill/>
-              <a:ln w="19050">
+                </a:rPr>
+                <a:t>b</a:t>
+              </a:r>
+              <a:endParaRPr lang="en-US" sz="1200" dirty="0">
                 <a:solidFill>
-                  <a:schemeClr val="bg1">
-                    <a:lumMod val="85000"/>
-                  </a:schemeClr>
+                  <a:schemeClr val="bg1"/>
                 </a:solidFill>
-                <a:prstDash val="lgDash"/>
-              </a:ln>
-            </p:spPr>
-            <p:style>
-              <a:lnRef idx="2">
-                <a:schemeClr val="accent1">
-                  <a:shade val="50000"/>
-                </a:schemeClr>
-              </a:lnRef>
-              <a:fillRef idx="1">
-                <a:schemeClr val="accent1"/>
-              </a:fillRef>
-              <a:effectRef idx="0">
-                <a:schemeClr val="accent1"/>
-              </a:effectRef>
-              <a:fontRef idx="minor">
-                <a:schemeClr val="lt1"/>
-              </a:fontRef>
-            </p:style>
-            <p:txBody>
-              <a:bodyPr rtlCol="0" anchor="ctr"/>
-              <a:lstStyle/>
-              <a:p>
-                <a:pPr algn="ctr"/>
-                <a:endParaRPr lang="en-US"/>
-              </a:p>
-            </p:txBody>
-          </p:sp>
-          <p:sp>
-            <p:nvSpPr>
-              <p:cNvPr id="25" name="Oval 24"/>
-              <p:cNvSpPr>
-                <a:spLocks noChangeAspect="1"/>
-              </p:cNvSpPr>
-              <p:nvPr/>
-            </p:nvSpPr>
-            <p:spPr>
-              <a:xfrm>
-                <a:off x="1433617" y="4901381"/>
-                <a:ext cx="302756" cy="302756"/>
-              </a:xfrm>
-              <a:prstGeom prst="ellipse">
-                <a:avLst/>
-              </a:prstGeom>
-              <a:solidFill>
-                <a:srgbClr val="177ABC"/>
-              </a:solidFill>
-              <a:ln>
-                <a:noFill/>
-              </a:ln>
-            </p:spPr>
-            <p:style>
-              <a:lnRef idx="2">
-                <a:schemeClr val="accent1">
-                  <a:shade val="50000"/>
-                </a:schemeClr>
-              </a:lnRef>
-              <a:fillRef idx="1">
-                <a:schemeClr val="accent1"/>
-              </a:fillRef>
-              <a:effectRef idx="0">
-                <a:schemeClr val="accent1"/>
-              </a:effectRef>
-              <a:fontRef idx="minor">
-                <a:schemeClr val="lt1"/>
-              </a:fontRef>
-            </p:style>
-            <p:txBody>
-              <a:bodyPr rot="0" spcFirstLastPara="0" vertOverflow="overflow" horzOverflow="overflow" vert="horz" wrap="square" lIns="0" tIns="0" rIns="0" bIns="0" numCol="1" spcCol="0" rtlCol="0" fromWordArt="0" anchor="ctr" anchorCtr="0" forceAA="0" compatLnSpc="1">
-                <a:prstTxWarp prst="textNoShape">
-                  <a:avLst/>
-                </a:prstTxWarp>
-                <a:noAutofit/>
-              </a:bodyPr>
-              <a:lstStyle/>
-              <a:p>
-                <a:pPr algn="ctr"/>
-                <a:r>
-                  <a:rPr lang="en-US" sz="1200" dirty="0" smtClean="0">
-                    <a:solidFill>
-                      <a:schemeClr val="bg1"/>
-                    </a:solidFill>
-                  </a:rPr>
-                  <a:t>c2</a:t>
-                </a:r>
-                <a:endParaRPr lang="en-US" sz="1200" dirty="0">
-                  <a:solidFill>
-                    <a:schemeClr val="bg1"/>
-                  </a:solidFill>
-                </a:endParaRPr>
-              </a:p>
-            </p:txBody>
-          </p:sp>
-          <p:sp>
-            <p:nvSpPr>
-              <p:cNvPr id="26" name="Oval 25"/>
-              <p:cNvSpPr>
-                <a:spLocks noChangeAspect="1"/>
-              </p:cNvSpPr>
-              <p:nvPr/>
-            </p:nvSpPr>
-            <p:spPr>
-              <a:xfrm>
-                <a:off x="1349251" y="5743173"/>
-                <a:ext cx="302756" cy="302756"/>
-              </a:xfrm>
-              <a:prstGeom prst="ellipse">
-                <a:avLst/>
-              </a:prstGeom>
-              <a:solidFill>
-                <a:srgbClr val="177ABC"/>
-              </a:solidFill>
-              <a:ln>
-                <a:noFill/>
-              </a:ln>
-            </p:spPr>
-            <p:style>
-              <a:lnRef idx="2">
-                <a:schemeClr val="accent1">
-                  <a:shade val="50000"/>
-                </a:schemeClr>
-              </a:lnRef>
-              <a:fillRef idx="1">
-                <a:schemeClr val="accent1"/>
-              </a:fillRef>
-              <a:effectRef idx="0">
-                <a:schemeClr val="accent1"/>
-              </a:effectRef>
-              <a:fontRef idx="minor">
-                <a:schemeClr val="lt1"/>
-              </a:fontRef>
-            </p:style>
-            <p:txBody>
-              <a:bodyPr rot="0" spcFirstLastPara="0" vertOverflow="overflow" horzOverflow="overflow" vert="horz" wrap="square" lIns="0" tIns="0" rIns="0" bIns="0" numCol="1" spcCol="0" rtlCol="0" fromWordArt="0" anchor="ctr" anchorCtr="0" forceAA="0" compatLnSpc="1">
-                <a:prstTxWarp prst="textNoShape">
-                  <a:avLst/>
-                </a:prstTxWarp>
-                <a:noAutofit/>
-              </a:bodyPr>
-              <a:lstStyle/>
-              <a:p>
-                <a:pPr algn="ctr"/>
-                <a:r>
-                  <a:rPr lang="en-US" sz="1200" dirty="0" smtClean="0">
-                    <a:solidFill>
-                      <a:schemeClr val="bg1"/>
-                    </a:solidFill>
-                  </a:rPr>
-                  <a:t>c1</a:t>
-                </a:r>
-                <a:endParaRPr lang="en-US" sz="1200" dirty="0">
-                  <a:solidFill>
-                    <a:schemeClr val="bg1"/>
-                  </a:solidFill>
-                </a:endParaRPr>
-              </a:p>
-            </p:txBody>
-          </p:sp>
-          <p:sp>
-            <p:nvSpPr>
-              <p:cNvPr id="27" name="Oval 26"/>
-              <p:cNvSpPr>
-                <a:spLocks noChangeAspect="1"/>
-              </p:cNvSpPr>
-              <p:nvPr/>
-            </p:nvSpPr>
-            <p:spPr>
-              <a:xfrm>
-                <a:off x="2242459" y="6099083"/>
-                <a:ext cx="302756" cy="302756"/>
-              </a:xfrm>
-              <a:prstGeom prst="ellipse">
-                <a:avLst/>
-              </a:prstGeom>
-              <a:solidFill>
-                <a:srgbClr val="177ABC"/>
-              </a:solidFill>
-              <a:ln>
-                <a:noFill/>
-              </a:ln>
-            </p:spPr>
-            <p:style>
-              <a:lnRef idx="2">
-                <a:schemeClr val="accent1">
-                  <a:shade val="50000"/>
-                </a:schemeClr>
-              </a:lnRef>
-              <a:fillRef idx="1">
-                <a:schemeClr val="accent1"/>
-              </a:fillRef>
-              <a:effectRef idx="0">
-                <a:schemeClr val="accent1"/>
-              </a:effectRef>
-              <a:fontRef idx="minor">
-                <a:schemeClr val="lt1"/>
-              </a:fontRef>
-            </p:style>
-            <p:txBody>
-              <a:bodyPr rot="0" spcFirstLastPara="0" vertOverflow="overflow" horzOverflow="overflow" vert="horz" wrap="square" lIns="0" tIns="0" rIns="0" bIns="0" numCol="1" spcCol="0" rtlCol="0" fromWordArt="0" anchor="ctr" anchorCtr="0" forceAA="0" compatLnSpc="1">
-                <a:prstTxWarp prst="textNoShape">
-                  <a:avLst/>
-                </a:prstTxWarp>
-                <a:noAutofit/>
-              </a:bodyPr>
-              <a:lstStyle/>
-              <a:p>
-                <a:pPr algn="ctr"/>
-                <a:r>
-                  <a:rPr lang="en-US" sz="1200" dirty="0" smtClean="0">
-                    <a:solidFill>
-                      <a:schemeClr val="bg1"/>
-                    </a:solidFill>
-                  </a:rPr>
-                  <a:t>c0</a:t>
-                </a:r>
-                <a:endParaRPr lang="en-US" sz="1200" dirty="0">
-                  <a:solidFill>
-                    <a:schemeClr val="bg1"/>
-                  </a:solidFill>
-                </a:endParaRPr>
-              </a:p>
-            </p:txBody>
-          </p:sp>
-          <p:sp>
-            <p:nvSpPr>
-              <p:cNvPr id="28" name="Oval 27"/>
-              <p:cNvSpPr>
-                <a:spLocks noChangeAspect="1"/>
-              </p:cNvSpPr>
-              <p:nvPr/>
-            </p:nvSpPr>
-            <p:spPr>
-              <a:xfrm>
-                <a:off x="2785975" y="5528572"/>
-                <a:ext cx="302756" cy="302756"/>
-              </a:xfrm>
-              <a:prstGeom prst="ellipse">
-                <a:avLst/>
-              </a:prstGeom>
-              <a:solidFill>
-                <a:srgbClr val="177ABC"/>
-              </a:solidFill>
-              <a:ln>
-                <a:noFill/>
-              </a:ln>
-            </p:spPr>
-            <p:style>
-              <a:lnRef idx="2">
-                <a:schemeClr val="accent1">
-                  <a:shade val="50000"/>
-                </a:schemeClr>
-              </a:lnRef>
-              <a:fillRef idx="1">
-                <a:schemeClr val="accent1"/>
-              </a:fillRef>
-              <a:effectRef idx="0">
-                <a:schemeClr val="accent1"/>
-              </a:effectRef>
-              <a:fontRef idx="minor">
-                <a:schemeClr val="lt1"/>
-              </a:fontRef>
-            </p:style>
-            <p:txBody>
-              <a:bodyPr rot="0" spcFirstLastPara="0" vertOverflow="overflow" horzOverflow="overflow" vert="horz" wrap="square" lIns="0" tIns="0" rIns="0" bIns="0" numCol="1" spcCol="0" rtlCol="0" fromWordArt="0" anchor="ctr" anchorCtr="0" forceAA="0" compatLnSpc="1">
-                <a:prstTxWarp prst="textNoShape">
-                  <a:avLst/>
-                </a:prstTxWarp>
-                <a:noAutofit/>
-              </a:bodyPr>
-              <a:lstStyle/>
-              <a:p>
-                <a:pPr algn="ctr"/>
-                <a:r>
-                  <a:rPr lang="en-US" sz="1200" dirty="0" smtClean="0">
-                    <a:solidFill>
-                      <a:schemeClr val="bg1"/>
-                    </a:solidFill>
-                  </a:rPr>
-                  <a:t>f</a:t>
-                </a:r>
-                <a:endParaRPr lang="en-US" sz="1200" dirty="0">
-                  <a:solidFill>
-                    <a:schemeClr val="bg1"/>
-                  </a:solidFill>
-                </a:endParaRPr>
-              </a:p>
-            </p:txBody>
-          </p:sp>
-          <p:sp>
-            <p:nvSpPr>
-              <p:cNvPr id="31" name="Oval 30"/>
-              <p:cNvSpPr>
-                <a:spLocks noChangeAspect="1"/>
-              </p:cNvSpPr>
-              <p:nvPr/>
-            </p:nvSpPr>
-            <p:spPr>
-              <a:xfrm>
-                <a:off x="3199740" y="1827350"/>
-                <a:ext cx="909619" cy="909619"/>
-              </a:xfrm>
-              <a:prstGeom prst="ellipse">
-                <a:avLst/>
-              </a:prstGeom>
-              <a:solidFill>
-                <a:srgbClr val="177ABC"/>
-              </a:solidFill>
-              <a:ln>
-                <a:noFill/>
-              </a:ln>
-            </p:spPr>
-            <p:style>
-              <a:lnRef idx="2">
-                <a:schemeClr val="accent1">
-                  <a:shade val="50000"/>
-                </a:schemeClr>
-              </a:lnRef>
-              <a:fillRef idx="1">
-                <a:schemeClr val="accent1"/>
-              </a:fillRef>
-              <a:effectRef idx="0">
-                <a:schemeClr val="accent1"/>
-              </a:effectRef>
-              <a:fontRef idx="minor">
-                <a:schemeClr val="lt1"/>
-              </a:fontRef>
-            </p:style>
-            <p:txBody>
-              <a:bodyPr rot="0" spcFirstLastPara="0" vertOverflow="overflow" horzOverflow="overflow" vert="horz" wrap="square" lIns="0" tIns="0" rIns="0" bIns="0" numCol="1" spcCol="0" rtlCol="0" fromWordArt="0" anchor="ctr" anchorCtr="0" forceAA="0" compatLnSpc="1">
-                <a:prstTxWarp prst="textNoShape">
-                  <a:avLst/>
-                </a:prstTxWarp>
-                <a:noAutofit/>
-              </a:bodyPr>
-              <a:lstStyle/>
-              <a:p>
-                <a:pPr algn="ctr"/>
-                <a:r>
-                  <a:rPr lang="en-US" sz="1400" dirty="0" smtClean="0">
-                    <a:solidFill>
-                      <a:schemeClr val="bg1"/>
-                    </a:solidFill>
-                  </a:rPr>
-                  <a:t>Solution</a:t>
-                </a:r>
-                <a:endParaRPr lang="en-US" sz="1400" dirty="0">
-                  <a:solidFill>
-                    <a:schemeClr val="bg1"/>
-                  </a:solidFill>
-                </a:endParaRPr>
-              </a:p>
-            </p:txBody>
-          </p:sp>
-          <p:sp>
-            <p:nvSpPr>
-              <p:cNvPr id="32" name="Freeform 31"/>
-              <p:cNvSpPr/>
-              <p:nvPr/>
-            </p:nvSpPr>
-            <p:spPr>
-              <a:xfrm rot="6318487" flipV="1">
-                <a:off x="1985211" y="2513270"/>
-                <a:ext cx="1265202" cy="860357"/>
-              </a:xfrm>
-              <a:custGeom>
-                <a:avLst/>
-                <a:gdLst>
-                  <a:gd name="connsiteX0" fmla="*/ 0 w 450056"/>
-                  <a:gd name="connsiteY0" fmla="*/ 900112 h 900112"/>
-                  <a:gd name="connsiteX1" fmla="*/ 23813 w 450056"/>
-                  <a:gd name="connsiteY1" fmla="*/ 821531 h 900112"/>
-                  <a:gd name="connsiteX2" fmla="*/ 61913 w 450056"/>
-                  <a:gd name="connsiteY2" fmla="*/ 716756 h 900112"/>
-                  <a:gd name="connsiteX3" fmla="*/ 95250 w 450056"/>
-                  <a:gd name="connsiteY3" fmla="*/ 626268 h 900112"/>
-                  <a:gd name="connsiteX4" fmla="*/ 147638 w 450056"/>
-                  <a:gd name="connsiteY4" fmla="*/ 504825 h 900112"/>
-                  <a:gd name="connsiteX5" fmla="*/ 202406 w 450056"/>
-                  <a:gd name="connsiteY5" fmla="*/ 390525 h 900112"/>
-                  <a:gd name="connsiteX6" fmla="*/ 252413 w 450056"/>
-                  <a:gd name="connsiteY6" fmla="*/ 297656 h 900112"/>
-                  <a:gd name="connsiteX7" fmla="*/ 314325 w 450056"/>
-                  <a:gd name="connsiteY7" fmla="*/ 197643 h 900112"/>
-                  <a:gd name="connsiteX8" fmla="*/ 392906 w 450056"/>
-                  <a:gd name="connsiteY8" fmla="*/ 76200 h 900112"/>
-                  <a:gd name="connsiteX9" fmla="*/ 450056 w 450056"/>
-                  <a:gd name="connsiteY9" fmla="*/ 0 h 900112"/>
-                </a:gdLst>
-                <a:ahLst/>
-                <a:cxnLst>
-                  <a:cxn ang="0">
-                    <a:pos x="connsiteX0" y="connsiteY0"/>
-                  </a:cxn>
-                  <a:cxn ang="0">
-                    <a:pos x="connsiteX1" y="connsiteY1"/>
-                  </a:cxn>
-                  <a:cxn ang="0">
-                    <a:pos x="connsiteX2" y="connsiteY2"/>
-                  </a:cxn>
-                  <a:cxn ang="0">
-                    <a:pos x="connsiteX3" y="connsiteY3"/>
-                  </a:cxn>
-                  <a:cxn ang="0">
-                    <a:pos x="connsiteX4" y="connsiteY4"/>
-                  </a:cxn>
-                  <a:cxn ang="0">
-                    <a:pos x="connsiteX5" y="connsiteY5"/>
-                  </a:cxn>
-                  <a:cxn ang="0">
-                    <a:pos x="connsiteX6" y="connsiteY6"/>
-                  </a:cxn>
-                  <a:cxn ang="0">
-                    <a:pos x="connsiteX7" y="connsiteY7"/>
-                  </a:cxn>
-                  <a:cxn ang="0">
-                    <a:pos x="connsiteX8" y="connsiteY8"/>
-                  </a:cxn>
-                  <a:cxn ang="0">
-                    <a:pos x="connsiteX9" y="connsiteY9"/>
-                  </a:cxn>
-                </a:cxnLst>
-                <a:rect l="l" t="t" r="r" b="b"/>
-                <a:pathLst>
-                  <a:path w="450056" h="900112">
-                    <a:moveTo>
-                      <a:pt x="0" y="900112"/>
-                    </a:moveTo>
-                    <a:cubicBezTo>
-                      <a:pt x="6747" y="876101"/>
-                      <a:pt x="13494" y="852090"/>
-                      <a:pt x="23813" y="821531"/>
-                    </a:cubicBezTo>
-                    <a:cubicBezTo>
-                      <a:pt x="34132" y="790972"/>
-                      <a:pt x="50007" y="749300"/>
-                      <a:pt x="61913" y="716756"/>
-                    </a:cubicBezTo>
-                    <a:cubicBezTo>
-                      <a:pt x="73819" y="684212"/>
-                      <a:pt x="80963" y="661590"/>
-                      <a:pt x="95250" y="626268"/>
-                    </a:cubicBezTo>
-                    <a:cubicBezTo>
-                      <a:pt x="109537" y="590946"/>
-                      <a:pt x="129779" y="544115"/>
-                      <a:pt x="147638" y="504825"/>
-                    </a:cubicBezTo>
-                    <a:cubicBezTo>
-                      <a:pt x="165497" y="465535"/>
-                      <a:pt x="184944" y="425053"/>
-                      <a:pt x="202406" y="390525"/>
-                    </a:cubicBezTo>
-                    <a:cubicBezTo>
-                      <a:pt x="219868" y="355997"/>
-                      <a:pt x="233760" y="329803"/>
-                      <a:pt x="252413" y="297656"/>
-                    </a:cubicBezTo>
-                    <a:cubicBezTo>
-                      <a:pt x="271066" y="265509"/>
-                      <a:pt x="290910" y="234552"/>
-                      <a:pt x="314325" y="197643"/>
-                    </a:cubicBezTo>
-                    <a:cubicBezTo>
-                      <a:pt x="337740" y="160734"/>
-                      <a:pt x="370284" y="109140"/>
-                      <a:pt x="392906" y="76200"/>
-                    </a:cubicBezTo>
-                    <a:cubicBezTo>
-                      <a:pt x="415528" y="43259"/>
-                      <a:pt x="432792" y="21629"/>
-                      <a:pt x="450056" y="0"/>
-                    </a:cubicBezTo>
-                  </a:path>
-                </a:pathLst>
-              </a:custGeom>
-              <a:noFill/>
-              <a:ln w="38100">
-                <a:solidFill>
-                  <a:srgbClr val="A4C7E2"/>
-                </a:solidFill>
-                <a:tailEnd type="arrow"/>
-              </a:ln>
-            </p:spPr>
-            <p:style>
-              <a:lnRef idx="2">
-                <a:schemeClr val="accent1">
-                  <a:shade val="50000"/>
-                </a:schemeClr>
-              </a:lnRef>
-              <a:fillRef idx="1">
-                <a:schemeClr val="accent1"/>
-              </a:fillRef>
-              <a:effectRef idx="0">
-                <a:schemeClr val="accent1"/>
-              </a:effectRef>
-              <a:fontRef idx="minor">
-                <a:schemeClr val="lt1"/>
-              </a:fontRef>
-            </p:style>
-            <p:txBody>
-              <a:bodyPr rtlCol="0" anchor="ctr"/>
-              <a:lstStyle/>
-              <a:p>
-                <a:pPr algn="ctr"/>
-                <a:endParaRPr lang="en-US"/>
-              </a:p>
-            </p:txBody>
-          </p:sp>
-          <p:sp>
-            <p:nvSpPr>
-              <p:cNvPr id="33" name="Freeform 32"/>
-              <p:cNvSpPr/>
-              <p:nvPr/>
-            </p:nvSpPr>
-            <p:spPr>
-              <a:xfrm rot="11287422" flipV="1">
-                <a:off x="4033855" y="2567385"/>
-                <a:ext cx="1210758" cy="715676"/>
-              </a:xfrm>
-              <a:custGeom>
-                <a:avLst/>
-                <a:gdLst>
-                  <a:gd name="connsiteX0" fmla="*/ 0 w 450056"/>
-                  <a:gd name="connsiteY0" fmla="*/ 900112 h 900112"/>
-                  <a:gd name="connsiteX1" fmla="*/ 23813 w 450056"/>
-                  <a:gd name="connsiteY1" fmla="*/ 821531 h 900112"/>
-                  <a:gd name="connsiteX2" fmla="*/ 61913 w 450056"/>
-                  <a:gd name="connsiteY2" fmla="*/ 716756 h 900112"/>
-                  <a:gd name="connsiteX3" fmla="*/ 95250 w 450056"/>
-                  <a:gd name="connsiteY3" fmla="*/ 626268 h 900112"/>
-                  <a:gd name="connsiteX4" fmla="*/ 147638 w 450056"/>
-                  <a:gd name="connsiteY4" fmla="*/ 504825 h 900112"/>
-                  <a:gd name="connsiteX5" fmla="*/ 202406 w 450056"/>
-                  <a:gd name="connsiteY5" fmla="*/ 390525 h 900112"/>
-                  <a:gd name="connsiteX6" fmla="*/ 252413 w 450056"/>
-                  <a:gd name="connsiteY6" fmla="*/ 297656 h 900112"/>
-                  <a:gd name="connsiteX7" fmla="*/ 314325 w 450056"/>
-                  <a:gd name="connsiteY7" fmla="*/ 197643 h 900112"/>
-                  <a:gd name="connsiteX8" fmla="*/ 392906 w 450056"/>
-                  <a:gd name="connsiteY8" fmla="*/ 76200 h 900112"/>
-                  <a:gd name="connsiteX9" fmla="*/ 450056 w 450056"/>
-                  <a:gd name="connsiteY9" fmla="*/ 0 h 900112"/>
-                </a:gdLst>
-                <a:ahLst/>
-                <a:cxnLst>
-                  <a:cxn ang="0">
-                    <a:pos x="connsiteX0" y="connsiteY0"/>
-                  </a:cxn>
-                  <a:cxn ang="0">
-                    <a:pos x="connsiteX1" y="connsiteY1"/>
-                  </a:cxn>
-                  <a:cxn ang="0">
-                    <a:pos x="connsiteX2" y="connsiteY2"/>
-                  </a:cxn>
-                  <a:cxn ang="0">
-                    <a:pos x="connsiteX3" y="connsiteY3"/>
-                  </a:cxn>
-                  <a:cxn ang="0">
-                    <a:pos x="connsiteX4" y="connsiteY4"/>
-                  </a:cxn>
-                  <a:cxn ang="0">
-                    <a:pos x="connsiteX5" y="connsiteY5"/>
-                  </a:cxn>
-                  <a:cxn ang="0">
-                    <a:pos x="connsiteX6" y="connsiteY6"/>
-                  </a:cxn>
-                  <a:cxn ang="0">
-                    <a:pos x="connsiteX7" y="connsiteY7"/>
-                  </a:cxn>
-                  <a:cxn ang="0">
-                    <a:pos x="connsiteX8" y="connsiteY8"/>
-                  </a:cxn>
-                  <a:cxn ang="0">
-                    <a:pos x="connsiteX9" y="connsiteY9"/>
-                  </a:cxn>
-                </a:cxnLst>
-                <a:rect l="l" t="t" r="r" b="b"/>
-                <a:pathLst>
-                  <a:path w="450056" h="900112">
-                    <a:moveTo>
-                      <a:pt x="0" y="900112"/>
-                    </a:moveTo>
-                    <a:cubicBezTo>
-                      <a:pt x="6747" y="876101"/>
-                      <a:pt x="13494" y="852090"/>
-                      <a:pt x="23813" y="821531"/>
-                    </a:cubicBezTo>
-                    <a:cubicBezTo>
-                      <a:pt x="34132" y="790972"/>
-                      <a:pt x="50007" y="749300"/>
-                      <a:pt x="61913" y="716756"/>
-                    </a:cubicBezTo>
-                    <a:cubicBezTo>
-                      <a:pt x="73819" y="684212"/>
-                      <a:pt x="80963" y="661590"/>
-                      <a:pt x="95250" y="626268"/>
-                    </a:cubicBezTo>
-                    <a:cubicBezTo>
-                      <a:pt x="109537" y="590946"/>
-                      <a:pt x="129779" y="544115"/>
-                      <a:pt x="147638" y="504825"/>
-                    </a:cubicBezTo>
-                    <a:cubicBezTo>
-                      <a:pt x="165497" y="465535"/>
-                      <a:pt x="184944" y="425053"/>
-                      <a:pt x="202406" y="390525"/>
-                    </a:cubicBezTo>
-                    <a:cubicBezTo>
-                      <a:pt x="219868" y="355997"/>
-                      <a:pt x="233760" y="329803"/>
-                      <a:pt x="252413" y="297656"/>
-                    </a:cubicBezTo>
-                    <a:cubicBezTo>
-                      <a:pt x="271066" y="265509"/>
-                      <a:pt x="290910" y="234552"/>
-                      <a:pt x="314325" y="197643"/>
-                    </a:cubicBezTo>
-                    <a:cubicBezTo>
-                      <a:pt x="337740" y="160734"/>
-                      <a:pt x="370284" y="109140"/>
-                      <a:pt x="392906" y="76200"/>
-                    </a:cubicBezTo>
-                    <a:cubicBezTo>
-                      <a:pt x="415528" y="43259"/>
-                      <a:pt x="432792" y="21629"/>
-                      <a:pt x="450056" y="0"/>
-                    </a:cubicBezTo>
-                  </a:path>
-                </a:pathLst>
-              </a:custGeom>
-              <a:noFill/>
-              <a:ln w="38100">
-                <a:solidFill>
-                  <a:srgbClr val="A4C7E2"/>
-                </a:solidFill>
-                <a:tailEnd type="arrow"/>
-              </a:ln>
-            </p:spPr>
-            <p:style>
-              <a:lnRef idx="2">
-                <a:schemeClr val="accent1">
-                  <a:shade val="50000"/>
-                </a:schemeClr>
-              </a:lnRef>
-              <a:fillRef idx="1">
-                <a:schemeClr val="accent1"/>
-              </a:fillRef>
-              <a:effectRef idx="0">
-                <a:schemeClr val="accent1"/>
-              </a:effectRef>
-              <a:fontRef idx="minor">
-                <a:schemeClr val="lt1"/>
-              </a:fontRef>
-            </p:style>
-            <p:txBody>
-              <a:bodyPr rtlCol="0" anchor="ctr"/>
-              <a:lstStyle/>
-              <a:p>
-                <a:pPr algn="ctr"/>
-                <a:endParaRPr lang="en-US"/>
-              </a:p>
-            </p:txBody>
-          </p:sp>
-          <p:sp>
-            <p:nvSpPr>
-              <p:cNvPr id="35" name="Oval 34"/>
-              <p:cNvSpPr>
-                <a:spLocks noChangeAspect="1"/>
-              </p:cNvSpPr>
-              <p:nvPr/>
-            </p:nvSpPr>
-            <p:spPr>
-              <a:xfrm>
-                <a:off x="2230722" y="3204755"/>
-                <a:ext cx="647098" cy="647098"/>
-              </a:xfrm>
-              <a:prstGeom prst="ellipse">
-                <a:avLst/>
-              </a:prstGeom>
-              <a:solidFill>
-                <a:srgbClr val="E60000"/>
-              </a:solidFill>
-              <a:ln>
-                <a:noFill/>
-              </a:ln>
-            </p:spPr>
-            <p:style>
-              <a:lnRef idx="2">
-                <a:schemeClr val="accent1">
-                  <a:shade val="50000"/>
-                </a:schemeClr>
-              </a:lnRef>
-              <a:fillRef idx="1">
-                <a:schemeClr val="accent1"/>
-              </a:fillRef>
-              <a:effectRef idx="0">
-                <a:schemeClr val="accent1"/>
-              </a:effectRef>
-              <a:fontRef idx="minor">
-                <a:schemeClr val="lt1"/>
-              </a:fontRef>
-            </p:style>
-            <p:txBody>
-              <a:bodyPr rot="0" spcFirstLastPara="0" vertOverflow="overflow" horzOverflow="overflow" vert="horz" wrap="square" lIns="0" tIns="0" rIns="0" bIns="0" numCol="1" spcCol="0" rtlCol="0" fromWordArt="0" anchor="ctr" anchorCtr="0" forceAA="0" compatLnSpc="1">
-                <a:prstTxWarp prst="textNoShape">
-                  <a:avLst/>
-                </a:prstTxWarp>
-                <a:noAutofit/>
-              </a:bodyPr>
-              <a:lstStyle/>
-              <a:p>
-                <a:pPr algn="ctr"/>
-                <a:r>
-                  <a:rPr lang="en-US" sz="1200" dirty="0" smtClean="0">
-                    <a:solidFill>
-                      <a:schemeClr val="bg1"/>
-                    </a:solidFill>
-                  </a:rPr>
-                  <a:t>Constraint</a:t>
-                </a:r>
-                <a:endParaRPr lang="en-US" sz="1400" dirty="0">
-                  <a:solidFill>
-                    <a:schemeClr val="bg1"/>
-                  </a:solidFill>
-                </a:endParaRPr>
-              </a:p>
-            </p:txBody>
-          </p:sp>
-        </p:grpSp>
+              </a:endParaRPr>
+            </a:p>
+          </p:txBody>
+        </p:sp>
         <p:sp>
           <p:nvSpPr>
             <p:cNvPr id="37" name="Oval 36"/>
@@ -10835,8 +9384,8 @@
           </p:nvSpPr>
           <p:spPr>
             <a:xfrm>
-              <a:off x="5791687" y="2153588"/>
-              <a:ext cx="950436" cy="950436"/>
+              <a:off x="6135338" y="5574090"/>
+              <a:ext cx="551683" cy="551683"/>
             </a:xfrm>
             <a:prstGeom prst="ellipse">
               <a:avLst/>
@@ -10890,6 +9439,397 @@
             </a:p>
           </p:txBody>
         </p:sp>
+      </p:grpSp>
+      <p:grpSp>
+        <p:nvGrpSpPr>
+          <p:cNvPr id="5" name="Group 4"/>
+          <p:cNvGrpSpPr/>
+          <p:nvPr/>
+        </p:nvGrpSpPr>
+        <p:grpSpPr>
+          <a:xfrm>
+            <a:off x="3343310" y="65971"/>
+            <a:ext cx="2427937" cy="2618716"/>
+            <a:chOff x="3769522" y="3687477"/>
+            <a:chExt cx="2427937" cy="2618716"/>
+          </a:xfrm>
+        </p:grpSpPr>
+        <p:sp>
+          <p:nvSpPr>
+            <p:cNvPr id="14" name="Oval 13"/>
+            <p:cNvSpPr>
+              <a:spLocks noChangeAspect="1"/>
+            </p:cNvSpPr>
+            <p:nvPr/>
+          </p:nvSpPr>
+          <p:spPr>
+            <a:xfrm>
+              <a:off x="4233320" y="4354620"/>
+              <a:ext cx="1386250" cy="1386250"/>
+            </a:xfrm>
+            <a:prstGeom prst="ellipse">
+              <a:avLst/>
+            </a:prstGeom>
+            <a:solidFill>
+              <a:srgbClr val="177ABC"/>
+            </a:solidFill>
+            <a:ln>
+              <a:noFill/>
+            </a:ln>
+          </p:spPr>
+          <p:style>
+            <a:lnRef idx="2">
+              <a:schemeClr val="accent1">
+                <a:shade val="50000"/>
+              </a:schemeClr>
+            </a:lnRef>
+            <a:fillRef idx="1">
+              <a:schemeClr val="accent1"/>
+            </a:fillRef>
+            <a:effectRef idx="0">
+              <a:schemeClr val="accent1"/>
+            </a:effectRef>
+            <a:fontRef idx="minor">
+              <a:schemeClr val="lt1"/>
+            </a:fontRef>
+          </p:style>
+          <p:txBody>
+            <a:bodyPr rot="0" spcFirstLastPara="0" vertOverflow="overflow" horzOverflow="overflow" vert="horz" wrap="square" lIns="0" tIns="0" rIns="0" bIns="0" numCol="1" spcCol="0" rtlCol="0" fromWordArt="0" anchor="ctr" anchorCtr="0" forceAA="0" compatLnSpc="1">
+              <a:prstTxWarp prst="textNoShape">
+                <a:avLst/>
+              </a:prstTxWarp>
+              <a:noAutofit/>
+            </a:bodyPr>
+            <a:lstStyle/>
+            <a:p>
+              <a:pPr algn="ctr"/>
+              <a:r>
+                <a:rPr lang="en-US" sz="1400" dirty="0" smtClean="0">
+                  <a:solidFill>
+                    <a:schemeClr val="bg1"/>
+                  </a:solidFill>
+                </a:rPr>
+                <a:t>Black Scholes Equation</a:t>
+              </a:r>
+              <a:endParaRPr lang="en-US" sz="1400" dirty="0">
+                <a:solidFill>
+                  <a:schemeClr val="bg1"/>
+                </a:solidFill>
+              </a:endParaRPr>
+            </a:p>
+          </p:txBody>
+        </p:sp>
+        <p:sp>
+          <p:nvSpPr>
+            <p:cNvPr id="24" name="Oval 23"/>
+            <p:cNvSpPr>
+              <a:spLocks noChangeAspect="1"/>
+            </p:cNvSpPr>
+            <p:nvPr/>
+          </p:nvSpPr>
+          <p:spPr>
+            <a:xfrm>
+              <a:off x="3853451" y="3996108"/>
+              <a:ext cx="2152457" cy="2152456"/>
+            </a:xfrm>
+            <a:prstGeom prst="ellipse">
+              <a:avLst/>
+            </a:prstGeom>
+            <a:noFill/>
+            <a:ln w="19050">
+              <a:solidFill>
+                <a:schemeClr val="bg1">
+                  <a:lumMod val="85000"/>
+                </a:schemeClr>
+              </a:solidFill>
+              <a:prstDash val="lgDash"/>
+            </a:ln>
+          </p:spPr>
+          <p:style>
+            <a:lnRef idx="2">
+              <a:schemeClr val="accent1">
+                <a:shade val="50000"/>
+              </a:schemeClr>
+            </a:lnRef>
+            <a:fillRef idx="1">
+              <a:schemeClr val="accent1"/>
+            </a:fillRef>
+            <a:effectRef idx="0">
+              <a:schemeClr val="accent1"/>
+            </a:effectRef>
+            <a:fontRef idx="minor">
+              <a:schemeClr val="lt1"/>
+            </a:fontRef>
+          </p:style>
+          <p:txBody>
+            <a:bodyPr rtlCol="0" anchor="ctr"/>
+            <a:lstStyle/>
+            <a:p>
+              <a:pPr algn="ctr"/>
+              <a:endParaRPr lang="en-US"/>
+            </a:p>
+          </p:txBody>
+        </p:sp>
+        <p:sp>
+          <p:nvSpPr>
+            <p:cNvPr id="25" name="Oval 24"/>
+            <p:cNvSpPr>
+              <a:spLocks noChangeAspect="1"/>
+            </p:cNvSpPr>
+            <p:nvPr/>
+          </p:nvSpPr>
+          <p:spPr>
+            <a:xfrm>
+              <a:off x="3887279" y="4211879"/>
+              <a:ext cx="422582" cy="422582"/>
+            </a:xfrm>
+            <a:prstGeom prst="ellipse">
+              <a:avLst/>
+            </a:prstGeom>
+            <a:solidFill>
+              <a:srgbClr val="177ABC"/>
+            </a:solidFill>
+            <a:ln>
+              <a:noFill/>
+            </a:ln>
+          </p:spPr>
+          <p:style>
+            <a:lnRef idx="2">
+              <a:schemeClr val="accent1">
+                <a:shade val="50000"/>
+              </a:schemeClr>
+            </a:lnRef>
+            <a:fillRef idx="1">
+              <a:schemeClr val="accent1"/>
+            </a:fillRef>
+            <a:effectRef idx="0">
+              <a:schemeClr val="accent1"/>
+            </a:effectRef>
+            <a:fontRef idx="minor">
+              <a:schemeClr val="lt1"/>
+            </a:fontRef>
+          </p:style>
+          <p:txBody>
+            <a:bodyPr rot="0" spcFirstLastPara="0" vertOverflow="overflow" horzOverflow="overflow" vert="horz" wrap="square" lIns="0" tIns="0" rIns="0" bIns="0" numCol="1" spcCol="0" rtlCol="0" fromWordArt="0" anchor="ctr" anchorCtr="0" forceAA="0" compatLnSpc="1">
+              <a:prstTxWarp prst="textNoShape">
+                <a:avLst/>
+              </a:prstTxWarp>
+              <a:noAutofit/>
+            </a:bodyPr>
+            <a:lstStyle/>
+            <a:p>
+              <a:pPr algn="ctr"/>
+              <a:r>
+                <a:rPr lang="en-US" sz="1200" dirty="0" smtClean="0">
+                  <a:solidFill>
+                    <a:schemeClr val="bg1"/>
+                  </a:solidFill>
+                </a:rPr>
+                <a:t>c2</a:t>
+              </a:r>
+              <a:endParaRPr lang="en-US" sz="1200" dirty="0">
+                <a:solidFill>
+                  <a:schemeClr val="bg1"/>
+                </a:solidFill>
+              </a:endParaRPr>
+            </a:p>
+          </p:txBody>
+        </p:sp>
+        <p:sp>
+          <p:nvSpPr>
+            <p:cNvPr id="26" name="Oval 25"/>
+            <p:cNvSpPr>
+              <a:spLocks noChangeAspect="1"/>
+            </p:cNvSpPr>
+            <p:nvPr/>
+          </p:nvSpPr>
+          <p:spPr>
+            <a:xfrm>
+              <a:off x="3769522" y="5386838"/>
+              <a:ext cx="422582" cy="422582"/>
+            </a:xfrm>
+            <a:prstGeom prst="ellipse">
+              <a:avLst/>
+            </a:prstGeom>
+            <a:solidFill>
+              <a:srgbClr val="177ABC"/>
+            </a:solidFill>
+            <a:ln>
+              <a:noFill/>
+            </a:ln>
+          </p:spPr>
+          <p:style>
+            <a:lnRef idx="2">
+              <a:schemeClr val="accent1">
+                <a:shade val="50000"/>
+              </a:schemeClr>
+            </a:lnRef>
+            <a:fillRef idx="1">
+              <a:schemeClr val="accent1"/>
+            </a:fillRef>
+            <a:effectRef idx="0">
+              <a:schemeClr val="accent1"/>
+            </a:effectRef>
+            <a:fontRef idx="minor">
+              <a:schemeClr val="lt1"/>
+            </a:fontRef>
+          </p:style>
+          <p:txBody>
+            <a:bodyPr rot="0" spcFirstLastPara="0" vertOverflow="overflow" horzOverflow="overflow" vert="horz" wrap="square" lIns="0" tIns="0" rIns="0" bIns="0" numCol="1" spcCol="0" rtlCol="0" fromWordArt="0" anchor="ctr" anchorCtr="0" forceAA="0" compatLnSpc="1">
+              <a:prstTxWarp prst="textNoShape">
+                <a:avLst/>
+              </a:prstTxWarp>
+              <a:noAutofit/>
+            </a:bodyPr>
+            <a:lstStyle/>
+            <a:p>
+              <a:pPr algn="ctr"/>
+              <a:r>
+                <a:rPr lang="en-US" sz="1200" dirty="0" smtClean="0">
+                  <a:solidFill>
+                    <a:schemeClr val="bg1"/>
+                  </a:solidFill>
+                </a:rPr>
+                <a:t>c1</a:t>
+              </a:r>
+              <a:endParaRPr lang="en-US" sz="1200" dirty="0">
+                <a:solidFill>
+                  <a:schemeClr val="bg1"/>
+                </a:solidFill>
+              </a:endParaRPr>
+            </a:p>
+          </p:txBody>
+        </p:sp>
+        <p:sp>
+          <p:nvSpPr>
+            <p:cNvPr id="27" name="Oval 26"/>
+            <p:cNvSpPr>
+              <a:spLocks noChangeAspect="1"/>
+            </p:cNvSpPr>
+            <p:nvPr/>
+          </p:nvSpPr>
+          <p:spPr>
+            <a:xfrm>
+              <a:off x="5016247" y="5883611"/>
+              <a:ext cx="422582" cy="422582"/>
+            </a:xfrm>
+            <a:prstGeom prst="ellipse">
+              <a:avLst/>
+            </a:prstGeom>
+            <a:solidFill>
+              <a:srgbClr val="177ABC"/>
+            </a:solidFill>
+            <a:ln>
+              <a:noFill/>
+            </a:ln>
+          </p:spPr>
+          <p:style>
+            <a:lnRef idx="2">
+              <a:schemeClr val="accent1">
+                <a:shade val="50000"/>
+              </a:schemeClr>
+            </a:lnRef>
+            <a:fillRef idx="1">
+              <a:schemeClr val="accent1"/>
+            </a:fillRef>
+            <a:effectRef idx="0">
+              <a:schemeClr val="accent1"/>
+            </a:effectRef>
+            <a:fontRef idx="minor">
+              <a:schemeClr val="lt1"/>
+            </a:fontRef>
+          </p:style>
+          <p:txBody>
+            <a:bodyPr rot="0" spcFirstLastPara="0" vertOverflow="overflow" horzOverflow="overflow" vert="horz" wrap="square" lIns="0" tIns="0" rIns="0" bIns="0" numCol="1" spcCol="0" rtlCol="0" fromWordArt="0" anchor="ctr" anchorCtr="0" forceAA="0" compatLnSpc="1">
+              <a:prstTxWarp prst="textNoShape">
+                <a:avLst/>
+              </a:prstTxWarp>
+              <a:noAutofit/>
+            </a:bodyPr>
+            <a:lstStyle/>
+            <a:p>
+              <a:pPr algn="ctr"/>
+              <a:r>
+                <a:rPr lang="en-US" sz="1200" dirty="0" smtClean="0">
+                  <a:solidFill>
+                    <a:schemeClr val="bg1"/>
+                  </a:solidFill>
+                </a:rPr>
+                <a:t>c0</a:t>
+              </a:r>
+              <a:endParaRPr lang="en-US" sz="1200" dirty="0">
+                <a:solidFill>
+                  <a:schemeClr val="bg1"/>
+                </a:solidFill>
+              </a:endParaRPr>
+            </a:p>
+          </p:txBody>
+        </p:sp>
+        <p:sp>
+          <p:nvSpPr>
+            <p:cNvPr id="28" name="Oval 27"/>
+            <p:cNvSpPr>
+              <a:spLocks noChangeAspect="1"/>
+            </p:cNvSpPr>
+            <p:nvPr/>
+          </p:nvSpPr>
+          <p:spPr>
+            <a:xfrm>
+              <a:off x="5774877" y="5087302"/>
+              <a:ext cx="422582" cy="422582"/>
+            </a:xfrm>
+            <a:prstGeom prst="ellipse">
+              <a:avLst/>
+            </a:prstGeom>
+            <a:solidFill>
+              <a:srgbClr val="177ABC"/>
+            </a:solidFill>
+            <a:ln>
+              <a:noFill/>
+            </a:ln>
+          </p:spPr>
+          <p:style>
+            <a:lnRef idx="2">
+              <a:schemeClr val="accent1">
+                <a:shade val="50000"/>
+              </a:schemeClr>
+            </a:lnRef>
+            <a:fillRef idx="1">
+              <a:schemeClr val="accent1"/>
+            </a:fillRef>
+            <a:effectRef idx="0">
+              <a:schemeClr val="accent1"/>
+            </a:effectRef>
+            <a:fontRef idx="minor">
+              <a:schemeClr val="lt1"/>
+            </a:fontRef>
+          </p:style>
+          <p:txBody>
+            <a:bodyPr rot="0" spcFirstLastPara="0" vertOverflow="overflow" horzOverflow="overflow" vert="horz" wrap="square" lIns="0" tIns="0" rIns="0" bIns="0" numCol="1" spcCol="0" rtlCol="0" fromWordArt="0" anchor="ctr" anchorCtr="0" forceAA="0" compatLnSpc="1">
+              <a:prstTxWarp prst="textNoShape">
+                <a:avLst/>
+              </a:prstTxWarp>
+              <a:noAutofit/>
+            </a:bodyPr>
+            <a:lstStyle/>
+            <a:p>
+              <a:pPr algn="ctr"/>
+              <a:r>
+                <a:rPr lang="en-US" sz="1200" dirty="0" smtClean="0">
+                  <a:solidFill>
+                    <a:schemeClr val="bg1"/>
+                  </a:solidFill>
+                </a:rPr>
+                <a:t>f</a:t>
+              </a:r>
+              <a:endParaRPr lang="en-US" sz="1200" dirty="0">
+                <a:solidFill>
+                  <a:schemeClr val="bg1"/>
+                </a:solidFill>
+              </a:endParaRPr>
+            </a:p>
+          </p:txBody>
+        </p:sp>
         <p:sp>
           <p:nvSpPr>
             <p:cNvPr id="38" name="Oval 37"/>
@@ -10900,7 +9840,7 @@
           </p:nvSpPr>
           <p:spPr>
             <a:xfrm>
-              <a:off x="3454665" y="4640244"/>
+              <a:off x="5605880" y="4392198"/>
               <a:ext cx="422582" cy="422582"/>
             </a:xfrm>
             <a:prstGeom prst="ellipse">
@@ -10955,7 +9895,312 @@
             </a:p>
           </p:txBody>
         </p:sp>
+        <p:sp>
+          <p:nvSpPr>
+            <p:cNvPr id="34" name="Oval 33"/>
+            <p:cNvSpPr>
+              <a:spLocks noChangeAspect="1"/>
+            </p:cNvSpPr>
+            <p:nvPr/>
+          </p:nvSpPr>
+          <p:spPr>
+            <a:xfrm>
+              <a:off x="4724716" y="3687477"/>
+              <a:ext cx="551683" cy="551683"/>
+            </a:xfrm>
+            <a:prstGeom prst="ellipse">
+              <a:avLst/>
+            </a:prstGeom>
+            <a:solidFill>
+              <a:srgbClr val="E60000"/>
+            </a:solidFill>
+            <a:ln>
+              <a:noFill/>
+            </a:ln>
+          </p:spPr>
+          <p:style>
+            <a:lnRef idx="2">
+              <a:schemeClr val="accent1">
+                <a:shade val="50000"/>
+              </a:schemeClr>
+            </a:lnRef>
+            <a:fillRef idx="1">
+              <a:schemeClr val="accent1"/>
+            </a:fillRef>
+            <a:effectRef idx="0">
+              <a:schemeClr val="accent1"/>
+            </a:effectRef>
+            <a:fontRef idx="minor">
+              <a:schemeClr val="lt1"/>
+            </a:fontRef>
+          </p:style>
+          <p:txBody>
+            <a:bodyPr rot="0" spcFirstLastPara="0" vertOverflow="overflow" horzOverflow="overflow" vert="horz" wrap="square" lIns="0" tIns="0" rIns="0" bIns="0" numCol="1" spcCol="0" rtlCol="0" fromWordArt="0" anchor="ctr" anchorCtr="0" forceAA="0" compatLnSpc="1">
+              <a:prstTxWarp prst="textNoShape">
+                <a:avLst/>
+              </a:prstTxWarp>
+              <a:noAutofit/>
+            </a:bodyPr>
+            <a:lstStyle/>
+            <a:p>
+              <a:pPr algn="ctr"/>
+              <a:r>
+                <a:rPr lang="en-US" sz="1200" dirty="0" smtClean="0">
+                  <a:solidFill>
+                    <a:schemeClr val="bg1"/>
+                  </a:solidFill>
+                </a:rPr>
+                <a:t>Constraint</a:t>
+              </a:r>
+              <a:endParaRPr lang="en-US" sz="1400" dirty="0">
+                <a:solidFill>
+                  <a:schemeClr val="bg1"/>
+                </a:solidFill>
+              </a:endParaRPr>
+            </a:p>
+          </p:txBody>
+        </p:sp>
       </p:grpSp>
+      <p:sp>
+        <p:nvSpPr>
+          <p:cNvPr id="6" name="Arc 5"/>
+          <p:cNvSpPr/>
+          <p:nvPr/>
+        </p:nvSpPr>
+        <p:spPr>
+          <a:xfrm>
+            <a:off x="3123722" y="924358"/>
+            <a:ext cx="4490397" cy="4621245"/>
+          </a:xfrm>
+          <a:prstGeom prst="arc">
+            <a:avLst>
+              <a:gd name="adj1" fmla="val 16599289"/>
+              <a:gd name="adj2" fmla="val 19376495"/>
+            </a:avLst>
+          </a:prstGeom>
+          <a:ln w="38100">
+            <a:solidFill>
+              <a:srgbClr val="1E90FF"/>
+            </a:solidFill>
+            <a:headEnd type="none" w="med" len="med"/>
+            <a:tailEnd type="arrow" w="med" len="med"/>
+          </a:ln>
+        </p:spPr>
+        <p:style>
+          <a:lnRef idx="1">
+            <a:schemeClr val="accent1"/>
+          </a:lnRef>
+          <a:fillRef idx="0">
+            <a:schemeClr val="accent1"/>
+          </a:fillRef>
+          <a:effectRef idx="0">
+            <a:schemeClr val="accent1"/>
+          </a:effectRef>
+          <a:fontRef idx="minor">
+            <a:schemeClr val="tx1"/>
+          </a:fontRef>
+        </p:style>
+        <p:txBody>
+          <a:bodyPr rtlCol="0" anchor="ctr"/>
+          <a:lstStyle/>
+          <a:p>
+            <a:pPr algn="ctr"/>
+            <a:endParaRPr lang="en-US"/>
+          </a:p>
+        </p:txBody>
+      </p:sp>
+      <p:sp>
+        <p:nvSpPr>
+          <p:cNvPr id="43" name="Arc 42"/>
+          <p:cNvSpPr/>
+          <p:nvPr/>
+        </p:nvSpPr>
+        <p:spPr>
+          <a:xfrm rot="4258857">
+            <a:off x="3166261" y="1546987"/>
+            <a:ext cx="4490397" cy="4621245"/>
+          </a:xfrm>
+          <a:prstGeom prst="arc">
+            <a:avLst>
+              <a:gd name="adj1" fmla="val 16512541"/>
+              <a:gd name="adj2" fmla="val 18649812"/>
+            </a:avLst>
+          </a:prstGeom>
+          <a:ln w="38100">
+            <a:solidFill>
+              <a:srgbClr val="1E90FF"/>
+            </a:solidFill>
+            <a:headEnd type="none" w="med" len="med"/>
+            <a:tailEnd type="arrow" w="med" len="med"/>
+          </a:ln>
+        </p:spPr>
+        <p:style>
+          <a:lnRef idx="1">
+            <a:schemeClr val="accent1"/>
+          </a:lnRef>
+          <a:fillRef idx="0">
+            <a:schemeClr val="accent1"/>
+          </a:fillRef>
+          <a:effectRef idx="0">
+            <a:schemeClr val="accent1"/>
+          </a:effectRef>
+          <a:fontRef idx="minor">
+            <a:schemeClr val="tx1"/>
+          </a:fontRef>
+        </p:style>
+        <p:txBody>
+          <a:bodyPr rtlCol="0" anchor="ctr"/>
+          <a:lstStyle/>
+          <a:p>
+            <a:pPr algn="ctr"/>
+            <a:endParaRPr lang="en-US"/>
+          </a:p>
+        </p:txBody>
+      </p:sp>
+      <p:sp>
+        <p:nvSpPr>
+          <p:cNvPr id="44" name="Arc 43"/>
+          <p:cNvSpPr/>
+          <p:nvPr/>
+        </p:nvSpPr>
+        <p:spPr>
+          <a:xfrm rot="8724506">
+            <a:off x="2537274" y="1881582"/>
+            <a:ext cx="4490397" cy="4621245"/>
+          </a:xfrm>
+          <a:prstGeom prst="arc">
+            <a:avLst>
+              <a:gd name="adj1" fmla="val 16599289"/>
+              <a:gd name="adj2" fmla="val 20376931"/>
+            </a:avLst>
+          </a:prstGeom>
+          <a:ln w="38100">
+            <a:solidFill>
+              <a:srgbClr val="1E90FF"/>
+            </a:solidFill>
+            <a:headEnd type="none" w="med" len="med"/>
+            <a:tailEnd type="arrow" w="med" len="med"/>
+          </a:ln>
+        </p:spPr>
+        <p:style>
+          <a:lnRef idx="1">
+            <a:schemeClr val="accent1"/>
+          </a:lnRef>
+          <a:fillRef idx="0">
+            <a:schemeClr val="accent1"/>
+          </a:fillRef>
+          <a:effectRef idx="0">
+            <a:schemeClr val="accent1"/>
+          </a:effectRef>
+          <a:fontRef idx="minor">
+            <a:schemeClr val="tx1"/>
+          </a:fontRef>
+        </p:style>
+        <p:txBody>
+          <a:bodyPr rtlCol="0" anchor="ctr"/>
+          <a:lstStyle/>
+          <a:p>
+            <a:pPr algn="ctr"/>
+            <a:endParaRPr lang="en-US"/>
+          </a:p>
+        </p:txBody>
+      </p:sp>
+      <p:sp>
+        <p:nvSpPr>
+          <p:cNvPr id="45" name="Arc 44"/>
+          <p:cNvSpPr/>
+          <p:nvPr/>
+        </p:nvSpPr>
+        <p:spPr>
+          <a:xfrm rot="13805957">
+            <a:off x="2006095" y="1342787"/>
+            <a:ext cx="4490397" cy="4621245"/>
+          </a:xfrm>
+          <a:prstGeom prst="arc">
+            <a:avLst>
+              <a:gd name="adj1" fmla="val 16552646"/>
+              <a:gd name="adj2" fmla="val 18116184"/>
+            </a:avLst>
+          </a:prstGeom>
+          <a:ln w="38100">
+            <a:solidFill>
+              <a:srgbClr val="1E90FF"/>
+            </a:solidFill>
+            <a:headEnd type="none" w="med" len="med"/>
+            <a:tailEnd type="arrow" w="med" len="med"/>
+          </a:ln>
+        </p:spPr>
+        <p:style>
+          <a:lnRef idx="1">
+            <a:schemeClr val="accent1"/>
+          </a:lnRef>
+          <a:fillRef idx="0">
+            <a:schemeClr val="accent1"/>
+          </a:fillRef>
+          <a:effectRef idx="0">
+            <a:schemeClr val="accent1"/>
+          </a:effectRef>
+          <a:fontRef idx="minor">
+            <a:schemeClr val="tx1"/>
+          </a:fontRef>
+        </p:style>
+        <p:txBody>
+          <a:bodyPr rtlCol="0" anchor="ctr"/>
+          <a:lstStyle/>
+          <a:p>
+            <a:pPr algn="ctr"/>
+            <a:endParaRPr lang="en-US"/>
+          </a:p>
+        </p:txBody>
+      </p:sp>
+      <p:sp>
+        <p:nvSpPr>
+          <p:cNvPr id="46" name="Arc 45"/>
+          <p:cNvSpPr/>
+          <p:nvPr/>
+        </p:nvSpPr>
+        <p:spPr>
+          <a:xfrm rot="16619804">
+            <a:off x="2123472" y="843394"/>
+            <a:ext cx="4490397" cy="4621245"/>
+          </a:xfrm>
+          <a:prstGeom prst="arc">
+            <a:avLst>
+              <a:gd name="adj1" fmla="val 16599289"/>
+              <a:gd name="adj2" fmla="val 19718904"/>
+            </a:avLst>
+          </a:prstGeom>
+          <a:ln w="38100">
+            <a:solidFill>
+              <a:srgbClr val="1E90FF"/>
+            </a:solidFill>
+            <a:headEnd type="none" w="med" len="med"/>
+            <a:tailEnd type="arrow" w="med" len="med"/>
+          </a:ln>
+        </p:spPr>
+        <p:style>
+          <a:lnRef idx="1">
+            <a:schemeClr val="accent1"/>
+          </a:lnRef>
+          <a:fillRef idx="0">
+            <a:schemeClr val="accent1"/>
+          </a:fillRef>
+          <a:effectRef idx="0">
+            <a:schemeClr val="accent1"/>
+          </a:effectRef>
+          <a:fontRef idx="minor">
+            <a:schemeClr val="tx1"/>
+          </a:fontRef>
+        </p:style>
+        <p:txBody>
+          <a:bodyPr rtlCol="0" anchor="ctr"/>
+          <a:lstStyle/>
+          <a:p>
+            <a:pPr algn="ctr"/>
+            <a:endParaRPr lang="en-US"/>
+          </a:p>
+        </p:txBody>
+      </p:sp>
     </p:spTree>
     <p:extLst>
       <p:ext uri="{BB962C8B-B14F-4D97-AF65-F5344CB8AC3E}">
